--- a/src/Test_Model_Gaeul/05_Conclusion.pptx
+++ b/src/Test_Model_Gaeul/05_Conclusion.pptx
@@ -6,11 +6,15 @@
   </p:sldMasterIdLst>
   <p:sldIdLst>
     <p:sldId id="256" r:id="rId2"/>
-    <p:sldId id="257" r:id="rId3"/>
-    <p:sldId id="261" r:id="rId4"/>
+    <p:sldId id="261" r:id="rId3"/>
+    <p:sldId id="257" r:id="rId4"/>
     <p:sldId id="258" r:id="rId5"/>
-    <p:sldId id="260" r:id="rId6"/>
-    <p:sldId id="262" r:id="rId7"/>
+    <p:sldId id="265" r:id="rId6"/>
+    <p:sldId id="267" r:id="rId7"/>
+    <p:sldId id="263" r:id="rId8"/>
+    <p:sldId id="268" r:id="rId9"/>
+    <p:sldId id="262" r:id="rId10"/>
+    <p:sldId id="269" r:id="rId11"/>
   </p:sldIdLst>
   <p:sldSz cx="12192000" cy="6858000"/>
   <p:notesSz cx="6858000" cy="9144000"/>
@@ -109,6 +113,11 @@
       </a:defRPr>
     </a:lvl9pPr>
   </p:defaultTextStyle>
+  <p:extLst>
+    <p:ext uri="{EFAFB233-063F-42B5-8137-9DF3F51BA10A}">
+      <p15:sldGuideLst xmlns:p15="http://schemas.microsoft.com/office/powerpoint/2012/main"/>
+    </p:ext>
+  </p:extLst>
 </p:presentation>
 </file>
 
@@ -259,7 +268,7 @@
           <a:p>
             <a:fld id="{9751E941-4B89-47E8-9A04-3F3F9971D872}" type="datetimeFigureOut">
               <a:rPr lang="ko-KR" altLang="en-US" smtClean="0"/>
-              <a:t>2023-08-08</a:t>
+              <a:t>2023-08-09</a:t>
             </a:fld>
             <a:endParaRPr lang="ko-KR" altLang="en-US"/>
           </a:p>
@@ -457,7 +466,7 @@
           <a:p>
             <a:fld id="{9751E941-4B89-47E8-9A04-3F3F9971D872}" type="datetimeFigureOut">
               <a:rPr lang="ko-KR" altLang="en-US" smtClean="0"/>
-              <a:t>2023-08-08</a:t>
+              <a:t>2023-08-09</a:t>
             </a:fld>
             <a:endParaRPr lang="ko-KR" altLang="en-US"/>
           </a:p>
@@ -665,7 +674,7 @@
           <a:p>
             <a:fld id="{9751E941-4B89-47E8-9A04-3F3F9971D872}" type="datetimeFigureOut">
               <a:rPr lang="ko-KR" altLang="en-US" smtClean="0"/>
-              <a:t>2023-08-08</a:t>
+              <a:t>2023-08-09</a:t>
             </a:fld>
             <a:endParaRPr lang="ko-KR" altLang="en-US"/>
           </a:p>
@@ -863,7 +872,7 @@
           <a:p>
             <a:fld id="{9751E941-4B89-47E8-9A04-3F3F9971D872}" type="datetimeFigureOut">
               <a:rPr lang="ko-KR" altLang="en-US" smtClean="0"/>
-              <a:t>2023-08-08</a:t>
+              <a:t>2023-08-09</a:t>
             </a:fld>
             <a:endParaRPr lang="ko-KR" altLang="en-US"/>
           </a:p>
@@ -1138,7 +1147,7 @@
           <a:p>
             <a:fld id="{9751E941-4B89-47E8-9A04-3F3F9971D872}" type="datetimeFigureOut">
               <a:rPr lang="ko-KR" altLang="en-US" smtClean="0"/>
-              <a:t>2023-08-08</a:t>
+              <a:t>2023-08-09</a:t>
             </a:fld>
             <a:endParaRPr lang="ko-KR" altLang="en-US"/>
           </a:p>
@@ -1403,7 +1412,7 @@
           <a:p>
             <a:fld id="{9751E941-4B89-47E8-9A04-3F3F9971D872}" type="datetimeFigureOut">
               <a:rPr lang="ko-KR" altLang="en-US" smtClean="0"/>
-              <a:t>2023-08-08</a:t>
+              <a:t>2023-08-09</a:t>
             </a:fld>
             <a:endParaRPr lang="ko-KR" altLang="en-US"/>
           </a:p>
@@ -1815,7 +1824,7 @@
           <a:p>
             <a:fld id="{9751E941-4B89-47E8-9A04-3F3F9971D872}" type="datetimeFigureOut">
               <a:rPr lang="ko-KR" altLang="en-US" smtClean="0"/>
-              <a:t>2023-08-08</a:t>
+              <a:t>2023-08-09</a:t>
             </a:fld>
             <a:endParaRPr lang="ko-KR" altLang="en-US"/>
           </a:p>
@@ -1956,7 +1965,7 @@
           <a:p>
             <a:fld id="{9751E941-4B89-47E8-9A04-3F3F9971D872}" type="datetimeFigureOut">
               <a:rPr lang="ko-KR" altLang="en-US" smtClean="0"/>
-              <a:t>2023-08-08</a:t>
+              <a:t>2023-08-09</a:t>
             </a:fld>
             <a:endParaRPr lang="ko-KR" altLang="en-US"/>
           </a:p>
@@ -2069,7 +2078,7 @@
           <a:p>
             <a:fld id="{9751E941-4B89-47E8-9A04-3F3F9971D872}" type="datetimeFigureOut">
               <a:rPr lang="ko-KR" altLang="en-US" smtClean="0"/>
-              <a:t>2023-08-08</a:t>
+              <a:t>2023-08-09</a:t>
             </a:fld>
             <a:endParaRPr lang="ko-KR" altLang="en-US"/>
           </a:p>
@@ -2380,7 +2389,7 @@
           <a:p>
             <a:fld id="{9751E941-4B89-47E8-9A04-3F3F9971D872}" type="datetimeFigureOut">
               <a:rPr lang="ko-KR" altLang="en-US" smtClean="0"/>
-              <a:t>2023-08-08</a:t>
+              <a:t>2023-08-09</a:t>
             </a:fld>
             <a:endParaRPr lang="ko-KR" altLang="en-US"/>
           </a:p>
@@ -2668,7 +2677,7 @@
           <a:p>
             <a:fld id="{9751E941-4B89-47E8-9A04-3F3F9971D872}" type="datetimeFigureOut">
               <a:rPr lang="ko-KR" altLang="en-US" smtClean="0"/>
-              <a:t>2023-08-08</a:t>
+              <a:t>2023-08-09</a:t>
             </a:fld>
             <a:endParaRPr lang="ko-KR" altLang="en-US"/>
           </a:p>
@@ -2909,7 +2918,7 @@
           <a:p>
             <a:fld id="{9751E941-4B89-47E8-9A04-3F3F9971D872}" type="datetimeFigureOut">
               <a:rPr lang="ko-KR" altLang="en-US" smtClean="0"/>
-              <a:t>2023-08-08</a:t>
+              <a:t>2023-08-09</a:t>
             </a:fld>
             <a:endParaRPr lang="ko-KR" altLang="en-US"/>
           </a:p>
@@ -3367,6 +3376,154 @@
 </p:sld>
 </file>
 
+<file path=ppt/slides/slide10.xml><?xml version="1.0" encoding="utf-8"?>
+<p:sld xmlns:a="http://schemas.openxmlformats.org/drawingml/2006/main" xmlns:r="http://schemas.openxmlformats.org/officeDocument/2006/relationships" xmlns:p="http://schemas.openxmlformats.org/presentationml/2006/main">
+  <p:cSld>
+    <p:spTree>
+      <p:nvGrpSpPr>
+        <p:cNvPr id="1" name=""/>
+        <p:cNvGrpSpPr/>
+        <p:nvPr/>
+      </p:nvGrpSpPr>
+      <p:grpSpPr>
+        <a:xfrm>
+          <a:off x="0" y="0"/>
+          <a:ext cx="0" cy="0"/>
+          <a:chOff x="0" y="0"/>
+          <a:chExt cx="0" cy="0"/>
+        </a:xfrm>
+      </p:grpSpPr>
+      <p:sp>
+        <p:nvSpPr>
+          <p:cNvPr id="2" name="제목 1">
+            <a:extLst>
+              <a:ext uri="{FF2B5EF4-FFF2-40B4-BE49-F238E27FC236}">
+                <a16:creationId xmlns:a16="http://schemas.microsoft.com/office/drawing/2014/main" id="{720E3BFB-D479-29C9-AC1F-C981A241A9A0}"/>
+              </a:ext>
+            </a:extLst>
+          </p:cNvPr>
+          <p:cNvSpPr>
+            <a:spLocks noGrp="1"/>
+          </p:cNvSpPr>
+          <p:nvPr>
+            <p:ph type="title"/>
+          </p:nvPr>
+        </p:nvSpPr>
+        <p:spPr/>
+        <p:txBody>
+          <a:bodyPr>
+            <a:normAutofit/>
+          </a:bodyPr>
+          <a:lstStyle/>
+          <a:p>
+            <a:r>
+              <a:rPr lang="en-US" altLang="ko-KR" sz="3600" dirty="0"/>
+              <a:t>To Do</a:t>
+            </a:r>
+            <a:endParaRPr lang="ko-KR" altLang="en-US" sz="3600" dirty="0"/>
+          </a:p>
+        </p:txBody>
+      </p:sp>
+      <p:sp>
+        <p:nvSpPr>
+          <p:cNvPr id="3" name="내용 개체 틀 2">
+            <a:extLst>
+              <a:ext uri="{FF2B5EF4-FFF2-40B4-BE49-F238E27FC236}">
+                <a16:creationId xmlns:a16="http://schemas.microsoft.com/office/drawing/2014/main" id="{A413560B-0840-E776-DE1D-A7F1444CBE00}"/>
+              </a:ext>
+            </a:extLst>
+          </p:cNvPr>
+          <p:cNvSpPr>
+            <a:spLocks noGrp="1"/>
+          </p:cNvSpPr>
+          <p:nvPr>
+            <p:ph idx="1"/>
+          </p:nvPr>
+        </p:nvSpPr>
+        <p:spPr/>
+        <p:txBody>
+          <a:bodyPr>
+            <a:normAutofit/>
+          </a:bodyPr>
+          <a:lstStyle/>
+          <a:p>
+            <a:r>
+              <a:rPr lang="ko-KR" altLang="en-US" sz="2400" dirty="0" err="1"/>
+              <a:t>자카드</a:t>
+            </a:r>
+            <a:r>
+              <a:rPr lang="ko-KR" altLang="en-US" sz="2400" dirty="0"/>
+              <a:t> </a:t>
+            </a:r>
+            <a:r>
+              <a:rPr lang="en-US" altLang="ko-KR" sz="2400" dirty="0"/>
+              <a:t>/ </a:t>
+            </a:r>
+            <a:r>
+              <a:rPr lang="ko-KR" altLang="en-US" sz="2400" dirty="0" err="1"/>
+              <a:t>피어슨</a:t>
+            </a:r>
+            <a:r>
+              <a:rPr lang="ko-KR" altLang="en-US" sz="2400" dirty="0"/>
+              <a:t> 유사도</a:t>
+            </a:r>
+            <a:endParaRPr lang="en-US" altLang="ko-KR" sz="2400" dirty="0"/>
+          </a:p>
+          <a:p>
+            <a:pPr lvl="1"/>
+            <a:r>
+              <a:rPr lang="en-US" altLang="ko-KR" sz="2000" dirty="0" err="1"/>
+              <a:t>sklearn</a:t>
+            </a:r>
+            <a:r>
+              <a:rPr lang="ko-KR" altLang="en-US" sz="2000" dirty="0"/>
+              <a:t>의 경우 코사인 유사도만 지원해서 직접 구현 등 다른 방법이 필요</a:t>
+            </a:r>
+            <a:endParaRPr lang="en-US" altLang="ko-KR" sz="2000" dirty="0"/>
+          </a:p>
+          <a:p>
+            <a:endParaRPr lang="en-US" altLang="ko-KR" sz="2400" dirty="0"/>
+          </a:p>
+          <a:p>
+            <a:r>
+              <a:rPr lang="ko-KR" altLang="en-US" sz="2400" dirty="0"/>
+              <a:t>추천 성능을 판단할 방법</a:t>
+            </a:r>
+            <a:r>
+              <a:rPr lang="en-US" altLang="ko-KR" sz="2400" dirty="0"/>
+              <a:t>?</a:t>
+            </a:r>
+          </a:p>
+          <a:p>
+            <a:pPr lvl="1"/>
+            <a:r>
+              <a:rPr lang="ko-KR" altLang="en-US" sz="2000" dirty="0"/>
+              <a:t>일단은 결과의 다양성을 위해 결과 분석보다 도출에만 집중했지만</a:t>
+            </a:r>
+            <a:r>
+              <a:rPr lang="en-US" altLang="ko-KR" sz="2000" dirty="0"/>
+              <a:t>, </a:t>
+            </a:r>
+            <a:r>
+              <a:rPr lang="ko-KR" altLang="en-US" sz="2000" dirty="0"/>
+              <a:t>현재 비교 기준이 없는 상태</a:t>
+            </a:r>
+          </a:p>
+        </p:txBody>
+      </p:sp>
+    </p:spTree>
+    <p:extLst>
+      <p:ext uri="{BB962C8B-B14F-4D97-AF65-F5344CB8AC3E}">
+        <p14:creationId xmlns:p14="http://schemas.microsoft.com/office/powerpoint/2010/main" val="1972150512"/>
+      </p:ext>
+    </p:extLst>
+  </p:cSld>
+  <p:clrMapOvr>
+    <a:masterClrMapping/>
+  </p:clrMapOvr>
+</p:sld>
+</file>
+
 <file path=ppt/slides/slide2.xml><?xml version="1.0" encoding="utf-8"?>
 <p:sld xmlns:a="http://schemas.openxmlformats.org/drawingml/2006/main" xmlns:r="http://schemas.openxmlformats.org/officeDocument/2006/relationships" xmlns:p="http://schemas.openxmlformats.org/presentationml/2006/main">
   <p:cSld>
@@ -3389,105 +3546,91 @@
           <p:cNvPr id="2" name="제목 1">
             <a:extLst>
               <a:ext uri="{FF2B5EF4-FFF2-40B4-BE49-F238E27FC236}">
-                <a16:creationId xmlns:a16="http://schemas.microsoft.com/office/drawing/2014/main" id="{1D83E0F5-D3E3-9D02-DDBB-83ED623BA0AD}"/>
-              </a:ext>
-            </a:extLst>
-          </p:cNvPr>
-          <p:cNvSpPr>
-            <a:spLocks noGrp="1"/>
-          </p:cNvSpPr>
-          <p:nvPr>
-            <p:ph type="title"/>
+                <a16:creationId xmlns:a16="http://schemas.microsoft.com/office/drawing/2014/main" id="{A41836A8-7883-3713-1C88-4960F8C087D3}"/>
+              </a:ext>
+            </a:extLst>
+          </p:cNvPr>
+          <p:cNvSpPr>
+            <a:spLocks noGrp="1"/>
+          </p:cNvSpPr>
+          <p:nvPr>
+            <p:ph type="ctrTitle"/>
           </p:nvPr>
         </p:nvSpPr>
         <p:spPr/>
         <p:txBody>
+          <a:bodyPr>
+            <a:normAutofit/>
+          </a:bodyPr>
+          <a:lstStyle/>
+          <a:p>
+            <a:r>
+              <a:rPr lang="en-US" altLang="ko-KR" sz="4800" dirty="0"/>
+              <a:t>Word2Vec </a:t>
+            </a:r>
+            <a:r>
+              <a:rPr lang="ko-KR" altLang="en-US" sz="4800" dirty="0"/>
+              <a:t>파라미터 조정</a:t>
+            </a:r>
+          </a:p>
+        </p:txBody>
+      </p:sp>
+      <p:sp>
+        <p:nvSpPr>
+          <p:cNvPr id="3" name="부제목 2">
+            <a:extLst>
+              <a:ext uri="{FF2B5EF4-FFF2-40B4-BE49-F238E27FC236}">
+                <a16:creationId xmlns:a16="http://schemas.microsoft.com/office/drawing/2014/main" id="{FCE61918-EF74-DC3A-C029-7E3C1EFE02D0}"/>
+              </a:ext>
+            </a:extLst>
+          </p:cNvPr>
+          <p:cNvSpPr>
+            <a:spLocks noGrp="1"/>
+          </p:cNvSpPr>
+          <p:nvPr>
+            <p:ph type="subTitle" idx="1"/>
+          </p:nvPr>
+        </p:nvSpPr>
+        <p:spPr/>
+        <p:txBody>
           <a:bodyPr/>
           <a:lstStyle/>
           <a:p>
             <a:r>
+              <a:rPr lang="ko-KR" altLang="en-US" dirty="0"/>
+              <a:t>태그</a:t>
+            </a:r>
+            <a:r>
               <a:rPr lang="en-US" altLang="ko-KR" dirty="0"/>
-              <a:t>0. </a:t>
+              <a:t> &amp; </a:t>
             </a:r>
             <a:r>
               <a:rPr lang="ko-KR" altLang="en-US" dirty="0"/>
-              <a:t>실험 환경</a:t>
-            </a:r>
-          </a:p>
-        </p:txBody>
-      </p:sp>
-      <p:sp>
-        <p:nvSpPr>
-          <p:cNvPr id="3" name="내용 개체 틀 2">
-            <a:extLst>
-              <a:ext uri="{FF2B5EF4-FFF2-40B4-BE49-F238E27FC236}">
-                <a16:creationId xmlns:a16="http://schemas.microsoft.com/office/drawing/2014/main" id="{EFBD96CC-D36B-77ED-6C1F-4998D5971E6A}"/>
-              </a:ext>
-            </a:extLst>
-          </p:cNvPr>
-          <p:cNvSpPr>
-            <a:spLocks noGrp="1"/>
-          </p:cNvSpPr>
-          <p:nvPr>
-            <p:ph idx="1"/>
-          </p:nvPr>
-        </p:nvSpPr>
-        <p:spPr/>
-        <p:txBody>
-          <a:bodyPr/>
-          <a:lstStyle/>
-          <a:p>
+              <a:t>노래</a:t>
+            </a:r>
+            <a:r>
+              <a:rPr lang="en-US" altLang="ko-KR" dirty="0"/>
+              <a:t>, </a:t>
+            </a:r>
             <a:r>
               <a:rPr lang="ko-KR" altLang="en-US" dirty="0"/>
-              <a:t>중간보고서 작성 시점 기준으로 제작된 모델을 그대로 활용</a:t>
-            </a:r>
-            <a:br>
+              <a:t>태그 </a:t>
+            </a:r>
+            <a:r>
               <a:rPr lang="en-US" altLang="ko-KR" dirty="0"/>
-            </a:br>
+              <a:t>only</a:t>
+            </a:r>
             <a:r>
               <a:rPr lang="ko-KR" altLang="en-US" dirty="0"/>
-              <a:t>모델 수정이 있을 경우 추후 </a:t>
-            </a:r>
-            <a:r>
-              <a:rPr lang="ko-KR" altLang="en-US" dirty="0" err="1"/>
-              <a:t>재실험</a:t>
-            </a:r>
-            <a:endParaRPr lang="en-US" altLang="ko-KR" dirty="0"/>
-          </a:p>
-          <a:p>
-            <a:endParaRPr lang="en-US" altLang="ko-KR" dirty="0"/>
-          </a:p>
-          <a:p>
-            <a:r>
-              <a:rPr lang="ko-KR" altLang="en-US" dirty="0"/>
-              <a:t>태그와 노래 모두 없는 경우는 </a:t>
-            </a:r>
-            <a:r>
-              <a:rPr lang="ko-KR" altLang="en-US" dirty="0" err="1"/>
-              <a:t>최신곡</a:t>
-            </a:r>
-            <a:r>
-              <a:rPr lang="ko-KR" altLang="en-US" dirty="0"/>
-              <a:t> 추천으로 통일되므로</a:t>
-            </a:r>
-            <a:br>
-              <a:rPr lang="en-US" altLang="ko-KR" dirty="0"/>
-            </a:br>
-            <a:r>
-              <a:rPr lang="ko-KR" altLang="en-US" dirty="0"/>
-              <a:t>실험 대상에서 제외</a:t>
-            </a:r>
-            <a:endParaRPr lang="en-US" altLang="ko-KR" dirty="0"/>
-          </a:p>
-          <a:p>
-            <a:endParaRPr lang="ko-KR" altLang="en-US" dirty="0"/>
+              <a:t>에 대한 비교 결과</a:t>
+            </a:r>
           </a:p>
         </p:txBody>
       </p:sp>
     </p:spTree>
     <p:extLst>
       <p:ext uri="{BB962C8B-B14F-4D97-AF65-F5344CB8AC3E}">
-        <p14:creationId xmlns:p14="http://schemas.microsoft.com/office/powerpoint/2010/main" val="3631750312"/>
+        <p14:creationId xmlns:p14="http://schemas.microsoft.com/office/powerpoint/2010/main" val="4272737903"/>
       </p:ext>
     </p:extLst>
   </p:cSld>
@@ -3519,15 +3662,15 @@
           <p:cNvPr id="2" name="제목 1">
             <a:extLst>
               <a:ext uri="{FF2B5EF4-FFF2-40B4-BE49-F238E27FC236}">
-                <a16:creationId xmlns:a16="http://schemas.microsoft.com/office/drawing/2014/main" id="{A41836A8-7883-3713-1C88-4960F8C087D3}"/>
-              </a:ext>
-            </a:extLst>
-          </p:cNvPr>
-          <p:cNvSpPr>
-            <a:spLocks noGrp="1"/>
-          </p:cNvSpPr>
-          <p:nvPr>
-            <p:ph type="ctrTitle"/>
+                <a16:creationId xmlns:a16="http://schemas.microsoft.com/office/drawing/2014/main" id="{1D83E0F5-D3E3-9D02-DDBB-83ED623BA0AD}"/>
+              </a:ext>
+            </a:extLst>
+          </p:cNvPr>
+          <p:cNvSpPr>
+            <a:spLocks noGrp="1"/>
+          </p:cNvSpPr>
+          <p:nvPr>
+            <p:ph type="title"/>
           </p:nvPr>
         </p:nvSpPr>
         <p:spPr/>
@@ -3538,72 +3681,110 @@
           <a:lstStyle/>
           <a:p>
             <a:r>
-              <a:rPr lang="en-US" altLang="ko-KR" sz="4800" dirty="0"/>
-              <a:t>Word2Vec </a:t>
-            </a:r>
-            <a:r>
-              <a:rPr lang="ko-KR" altLang="en-US" sz="4800" dirty="0"/>
-              <a:t>파라미터 조정</a:t>
-            </a:r>
-          </a:p>
-        </p:txBody>
-      </p:sp>
-      <p:sp>
-        <p:nvSpPr>
-          <p:cNvPr id="3" name="부제목 2">
-            <a:extLst>
-              <a:ext uri="{FF2B5EF4-FFF2-40B4-BE49-F238E27FC236}">
-                <a16:creationId xmlns:a16="http://schemas.microsoft.com/office/drawing/2014/main" id="{FCE61918-EF74-DC3A-C029-7E3C1EFE02D0}"/>
-              </a:ext>
-            </a:extLst>
-          </p:cNvPr>
-          <p:cNvSpPr>
-            <a:spLocks noGrp="1"/>
-          </p:cNvSpPr>
-          <p:nvPr>
-            <p:ph type="subTitle" idx="1"/>
+              <a:rPr lang="en-US" altLang="ko-KR" sz="3600" dirty="0"/>
+              <a:t>0. </a:t>
+            </a:r>
+            <a:r>
+              <a:rPr lang="ko-KR" altLang="en-US" sz="3600" dirty="0"/>
+              <a:t>실험 환경</a:t>
+            </a:r>
+          </a:p>
+        </p:txBody>
+      </p:sp>
+      <p:sp>
+        <p:nvSpPr>
+          <p:cNvPr id="3" name="내용 개체 틀 2">
+            <a:extLst>
+              <a:ext uri="{FF2B5EF4-FFF2-40B4-BE49-F238E27FC236}">
+                <a16:creationId xmlns:a16="http://schemas.microsoft.com/office/drawing/2014/main" id="{EFBD96CC-D36B-77ED-6C1F-4998D5971E6A}"/>
+              </a:ext>
+            </a:extLst>
+          </p:cNvPr>
+          <p:cNvSpPr>
+            <a:spLocks noGrp="1"/>
+          </p:cNvSpPr>
+          <p:nvPr>
+            <p:ph idx="1"/>
           </p:nvPr>
         </p:nvSpPr>
         <p:spPr/>
         <p:txBody>
-          <a:bodyPr/>
-          <a:lstStyle/>
-          <a:p>
-            <a:r>
-              <a:rPr lang="ko-KR" altLang="en-US" dirty="0"/>
-              <a:t>태그</a:t>
-            </a:r>
-            <a:r>
-              <a:rPr lang="en-US" altLang="ko-KR" dirty="0"/>
-              <a:t> &amp; </a:t>
-            </a:r>
-            <a:r>
-              <a:rPr lang="ko-KR" altLang="en-US" dirty="0"/>
-              <a:t>노래</a:t>
-            </a:r>
-            <a:r>
-              <a:rPr lang="en-US" altLang="ko-KR" dirty="0"/>
-              <a:t>, </a:t>
-            </a:r>
-            <a:r>
-              <a:rPr lang="ko-KR" altLang="en-US" dirty="0"/>
-              <a:t>태그 </a:t>
-            </a:r>
-            <a:r>
-              <a:rPr lang="en-US" altLang="ko-KR" dirty="0"/>
-              <a:t>only</a:t>
-            </a:r>
-            <a:r>
-              <a:rPr lang="ko-KR" altLang="en-US" dirty="0"/>
-              <a:t>에 대한 비교 결과</a:t>
-            </a:r>
+          <a:bodyPr>
+            <a:normAutofit/>
+          </a:bodyPr>
+          <a:lstStyle/>
+          <a:p>
+            <a:r>
+              <a:rPr lang="ko-KR" altLang="en-US" sz="2400" dirty="0"/>
+              <a:t>중간보고서 작성 시점 기준으로 제작된 모델을 그대로 활용</a:t>
+            </a:r>
+            <a:br>
+              <a:rPr lang="en-US" altLang="ko-KR" sz="2400" dirty="0"/>
+            </a:br>
+            <a:r>
+              <a:rPr lang="ko-KR" altLang="en-US" sz="2400" dirty="0"/>
+              <a:t>모델 수정이 있을 경우 추후 다시 실험</a:t>
+            </a:r>
+            <a:endParaRPr lang="en-US" altLang="ko-KR" sz="2400" dirty="0"/>
+          </a:p>
+          <a:p>
+            <a:endParaRPr lang="en-US" altLang="ko-KR" sz="2400" dirty="0"/>
+          </a:p>
+          <a:p>
+            <a:r>
+              <a:rPr lang="ko-KR" altLang="en-US" sz="2400" dirty="0"/>
+              <a:t>해당 실험은 우선 태그 </a:t>
+            </a:r>
+            <a:r>
+              <a:rPr lang="en-US" altLang="ko-KR" sz="2400" dirty="0"/>
+              <a:t>&amp; </a:t>
+            </a:r>
+            <a:r>
+              <a:rPr lang="ko-KR" altLang="en-US" sz="2400" dirty="0"/>
+              <a:t>노래가 모두 있는 경우에 대해서만</a:t>
+            </a:r>
+            <a:r>
+              <a:rPr lang="en-US" altLang="ko-KR" sz="2400" dirty="0"/>
+              <a:t> </a:t>
+            </a:r>
+            <a:r>
+              <a:rPr lang="ko-KR" altLang="en-US" sz="2400" dirty="0"/>
+              <a:t>수행</a:t>
+            </a:r>
+            <a:endParaRPr lang="en-US" altLang="ko-KR" sz="2400" dirty="0"/>
+          </a:p>
+          <a:p>
+            <a:pPr lvl="1"/>
+            <a:r>
+              <a:rPr lang="en-US" altLang="ko-KR" sz="2000" dirty="0"/>
+              <a:t>Word2Vec</a:t>
+            </a:r>
+            <a:r>
+              <a:rPr lang="ko-KR" altLang="en-US" sz="2000" dirty="0"/>
+              <a:t>은 태그에만 영향을 주기 때문에 장르 관련 실험은</a:t>
+            </a:r>
+            <a:r>
+              <a:rPr lang="en-US" altLang="ko-KR" sz="2000" dirty="0"/>
+              <a:t> </a:t>
+            </a:r>
+            <a:r>
+              <a:rPr lang="ko-KR" altLang="en-US" sz="2000" dirty="0"/>
+              <a:t>불필요하다고 판단함</a:t>
+            </a:r>
+            <a:endParaRPr lang="en-US" altLang="ko-KR" sz="2000" dirty="0"/>
+          </a:p>
+          <a:p>
+            <a:endParaRPr lang="en-US" altLang="ko-KR" sz="2400" dirty="0"/>
+          </a:p>
+          <a:p>
+            <a:endParaRPr lang="ko-KR" altLang="en-US" sz="2400" dirty="0"/>
           </a:p>
         </p:txBody>
       </p:sp>
     </p:spTree>
     <p:extLst>
       <p:ext uri="{BB962C8B-B14F-4D97-AF65-F5344CB8AC3E}">
-        <p14:creationId xmlns:p14="http://schemas.microsoft.com/office/powerpoint/2010/main" val="4272737903"/>
+        <p14:creationId xmlns:p14="http://schemas.microsoft.com/office/powerpoint/2010/main" val="3631750312"/>
       </p:ext>
     </p:extLst>
   </p:cSld>
@@ -3733,51 +3914,12 @@
           <a:lstStyle/>
           <a:p>
             <a:r>
-              <a:rPr lang="en-US" altLang="ko-KR" sz="4000" dirty="0">
-                <a:solidFill>
-                  <a:schemeClr val="bg1"/>
-                </a:solidFill>
-              </a:rPr>
-              <a:t>1. </a:t>
-            </a:r>
-            <a:r>
               <a:rPr lang="ko-KR" altLang="en-US" sz="4000" dirty="0">
                 <a:solidFill>
                   <a:schemeClr val="bg1"/>
                 </a:solidFill>
               </a:rPr>
-              <a:t>태그 </a:t>
-            </a:r>
-            <a:r>
-              <a:rPr lang="en-US" altLang="ko-KR" sz="4000" dirty="0">
-                <a:solidFill>
-                  <a:schemeClr val="bg1"/>
-                </a:solidFill>
-              </a:rPr>
-              <a:t>&amp; </a:t>
-            </a:r>
-            <a:r>
-              <a:rPr lang="ko-KR" altLang="en-US" sz="4000" dirty="0">
-                <a:solidFill>
-                  <a:schemeClr val="bg1"/>
-                </a:solidFill>
-              </a:rPr>
-              <a:t>노래가</a:t>
-            </a:r>
-            <a:br>
-              <a:rPr lang="en-US" altLang="ko-KR" sz="4000" dirty="0">
-                <a:solidFill>
-                  <a:schemeClr val="bg1"/>
-                </a:solidFill>
-              </a:rPr>
-            </a:br>
-            <a:r>
-              <a:rPr lang="ko-KR" altLang="en-US" sz="4000" dirty="0">
-                <a:solidFill>
-                  <a:schemeClr val="bg1"/>
-                </a:solidFill>
-              </a:rPr>
-              <a:t>모두 있는 경우</a:t>
+              <a:t>실험 결과</a:t>
             </a:r>
           </a:p>
         </p:txBody>
@@ -3928,7 +4070,7 @@
         </p:nvSpPr>
         <p:spPr>
           <a:xfrm>
-            <a:off x="7536567" y="526634"/>
+            <a:off x="7536567" y="649674"/>
             <a:ext cx="4310706" cy="1414551"/>
           </a:xfrm>
         </p:spPr>
@@ -4011,7 +4153,7 @@
             </a:r>
             <a:r>
               <a:rPr lang="en-US" altLang="ko-KR" sz="1600" dirty="0"/>
-              <a:t>200</a:t>
+              <a:t>1000</a:t>
             </a:r>
             <a:r>
               <a:rPr lang="ko-KR" altLang="en-US" sz="1600" dirty="0"/>
@@ -4113,10 +4255,10 @@
       </p:pic>
       <p:pic>
         <p:nvPicPr>
-          <p:cNvPr id="35" name="그림 34">
-            <a:extLst>
-              <a:ext uri="{FF2B5EF4-FFF2-40B4-BE49-F238E27FC236}">
-                <a16:creationId xmlns:a16="http://schemas.microsoft.com/office/drawing/2014/main" id="{7492F794-D9BE-C406-8A87-28EAC6D814F4}"/>
+          <p:cNvPr id="4" name="그림 3">
+            <a:extLst>
+              <a:ext uri="{FF2B5EF4-FFF2-40B4-BE49-F238E27FC236}">
+                <a16:creationId xmlns:a16="http://schemas.microsoft.com/office/drawing/2014/main" id="{4E76E24F-BC18-CFEB-5E89-55BE8849AE32}"/>
               </a:ext>
             </a:extLst>
           </p:cNvPr>
@@ -4133,14 +4275,57 @@
         </p:blipFill>
         <p:spPr>
           <a:xfrm>
-            <a:off x="6095999" y="4265287"/>
-            <a:ext cx="3755710" cy="1868813"/>
+            <a:off x="6095999" y="4281051"/>
+            <a:ext cx="4316199" cy="1980677"/>
           </a:xfrm>
           <a:prstGeom prst="rect">
             <a:avLst/>
           </a:prstGeom>
         </p:spPr>
       </p:pic>
+      <p:sp>
+        <p:nvSpPr>
+          <p:cNvPr id="5" name="TextBox 4">
+            <a:extLst>
+              <a:ext uri="{FF2B5EF4-FFF2-40B4-BE49-F238E27FC236}">
+                <a16:creationId xmlns:a16="http://schemas.microsoft.com/office/drawing/2014/main" id="{5ADA96DC-A5B8-3C01-7131-B283CF562896}"/>
+              </a:ext>
+            </a:extLst>
+          </p:cNvPr>
+          <p:cNvSpPr txBox="1"/>
+          <p:nvPr/>
+        </p:nvSpPr>
+        <p:spPr>
+          <a:xfrm>
+            <a:off x="3457575" y="6361422"/>
+            <a:ext cx="5486400" cy="369332"/>
+          </a:xfrm>
+          <a:prstGeom prst="rect">
+            <a:avLst/>
+          </a:prstGeom>
+          <a:noFill/>
+        </p:spPr>
+        <p:txBody>
+          <a:bodyPr wrap="square" rtlCol="0">
+            <a:spAutoFit/>
+          </a:bodyPr>
+          <a:lstStyle/>
+          <a:p>
+            <a:r>
+              <a:rPr lang="ko-KR" altLang="en-US" dirty="0">
+                <a:solidFill>
+                  <a:schemeClr val="bg1"/>
+                </a:solidFill>
+              </a:rPr>
+              <a:t>조금 더 세부적으로 튜닝</a:t>
+            </a:r>
+            <a:r>
+              <a:rPr lang="ko-KR" altLang="en-US" dirty="0"/>
+              <a:t>할 필요성이 있다고 판단</a:t>
+            </a:r>
+          </a:p>
+        </p:txBody>
+      </p:sp>
     </p:spTree>
     <p:extLst>
       <p:ext uri="{BB962C8B-B14F-4D97-AF65-F5344CB8AC3E}">
@@ -4181,7 +4366,7 @@
       </p:grpSpPr>
       <p:sp>
         <p:nvSpPr>
-          <p:cNvPr id="18" name="Rectangle 17">
+          <p:cNvPr id="21" name="Rectangle 17">
             <a:extLst>
               <a:ext uri="{FF2B5EF4-FFF2-40B4-BE49-F238E27FC236}">
                 <a16:creationId xmlns:a16="http://schemas.microsoft.com/office/drawing/2014/main" id="{C3896A03-3945-419A-B66B-4EE266EDD152}"/>
@@ -4250,7 +4435,7 @@
           <p:cNvPr id="2" name="제목 1">
             <a:extLst>
               <a:ext uri="{FF2B5EF4-FFF2-40B4-BE49-F238E27FC236}">
-                <a16:creationId xmlns:a16="http://schemas.microsoft.com/office/drawing/2014/main" id="{98BC9CC8-F4EA-FADE-4D60-6DD51C7330A7}"/>
+                <a16:creationId xmlns:a16="http://schemas.microsoft.com/office/drawing/2014/main" id="{45156F34-BE7A-2621-8386-BCE9ED3C1823}"/>
               </a:ext>
             </a:extLst>
           </p:cNvPr>
@@ -4263,8 +4448,8 @@
         </p:nvSpPr>
         <p:spPr>
           <a:xfrm>
-            <a:off x="831707" y="673995"/>
-            <a:ext cx="5264293" cy="1615363"/>
+            <a:off x="792648" y="649674"/>
+            <a:ext cx="4284420" cy="1615363"/>
           </a:xfrm>
         </p:spPr>
         <p:txBody>
@@ -4279,16 +4464,13 @@
                   <a:schemeClr val="bg1"/>
                 </a:solidFill>
               </a:rPr>
-              <a:t>2. </a:t>
-            </a:r>
-            <a:r>
-              <a:rPr lang="ko-KR" altLang="en-US" sz="4000" dirty="0">
-                <a:solidFill>
-                  <a:schemeClr val="bg1"/>
-                </a:solidFill>
-              </a:rPr>
-              <a:t>태그만 있는 경우</a:t>
-            </a:r>
+              <a:t>min count</a:t>
+            </a:r>
+            <a:endParaRPr lang="ko-KR" altLang="en-US" sz="4000" dirty="0">
+              <a:solidFill>
+                <a:schemeClr val="bg1"/>
+              </a:solidFill>
+            </a:endParaRPr>
           </a:p>
         </p:txBody>
       </p:sp>
@@ -4425,7 +4607,7 @@
           <p:cNvPr id="15" name="Content Placeholder 14">
             <a:extLst>
               <a:ext uri="{FF2B5EF4-FFF2-40B4-BE49-F238E27FC236}">
-                <a16:creationId xmlns:a16="http://schemas.microsoft.com/office/drawing/2014/main" id="{1BCF4A40-F821-02F8-3906-99ABAE242B2B}"/>
+                <a16:creationId xmlns:a16="http://schemas.microsoft.com/office/drawing/2014/main" id="{24DE8F65-7901-9234-AA62-E038B5598511}"/>
               </a:ext>
             </a:extLst>
           </p:cNvPr>
@@ -4438,7 +4620,7 @@
         </p:nvSpPr>
         <p:spPr>
           <a:xfrm>
-            <a:off x="6734649" y="850484"/>
+            <a:off x="7536567" y="649674"/>
             <a:ext cx="4310706" cy="1414551"/>
           </a:xfrm>
         </p:spPr>
@@ -4448,16 +4630,66 @@
           </a:bodyPr>
           <a:lstStyle/>
           <a:p>
-            <a:endParaRPr lang="en-US" sz="1600"/>
+            <a:r>
+              <a:rPr lang="en-US" altLang="ko-KR" sz="1600" dirty="0"/>
+              <a:t>(1) </a:t>
+            </a:r>
+            <a:r>
+              <a:rPr lang="ko-KR" altLang="en-US" sz="1600" dirty="0"/>
+              <a:t>기존 결과</a:t>
+            </a:r>
+          </a:p>
+          <a:p>
+            <a:r>
+              <a:rPr lang="en-US" altLang="ko-KR" sz="1600" dirty="0"/>
+              <a:t>(2) </a:t>
+            </a:r>
+            <a:r>
+              <a:rPr lang="en-US" altLang="ko-KR" sz="1600" dirty="0" err="1"/>
+              <a:t>min_count</a:t>
+            </a:r>
+            <a:r>
+              <a:rPr lang="en-US" altLang="ko-KR" sz="1600" dirty="0"/>
+              <a:t> = 3</a:t>
+            </a:r>
+            <a:endParaRPr lang="ko-KR" altLang="en-US" sz="1600" dirty="0"/>
+          </a:p>
+          <a:p>
+            <a:r>
+              <a:rPr lang="en-US" altLang="ko-KR" sz="1600" dirty="0"/>
+              <a:t>(3) </a:t>
+            </a:r>
+            <a:r>
+              <a:rPr lang="en-US" altLang="ko-KR" sz="1600" dirty="0" err="1"/>
+              <a:t>min_count</a:t>
+            </a:r>
+            <a:r>
+              <a:rPr lang="en-US" altLang="ko-KR" sz="1600" dirty="0"/>
+              <a:t> = 10</a:t>
+            </a:r>
+          </a:p>
+          <a:p>
+            <a:r>
+              <a:rPr lang="en-US" altLang="ko-KR" sz="1600" dirty="0"/>
+              <a:t>(4) </a:t>
+            </a:r>
+            <a:r>
+              <a:rPr lang="en-US" altLang="ko-KR" sz="1600" dirty="0" err="1"/>
+              <a:t>min_count</a:t>
+            </a:r>
+            <a:r>
+              <a:rPr lang="en-US" altLang="ko-KR" sz="1600" dirty="0"/>
+              <a:t> = 1</a:t>
+            </a:r>
           </a:p>
         </p:txBody>
       </p:sp>
       <p:pic>
         <p:nvPicPr>
-          <p:cNvPr id="4" name="그림 3">
-            <a:extLst>
-              <a:ext uri="{FF2B5EF4-FFF2-40B4-BE49-F238E27FC236}">
-                <a16:creationId xmlns:a16="http://schemas.microsoft.com/office/drawing/2014/main" id="{46FDA5C4-6F8F-C7D8-3B68-9CC0AB650791}"/>
+          <p:cNvPr id="28" name="그림 27">
+            <a:extLst>
+              <a:ext uri="{FF2B5EF4-FFF2-40B4-BE49-F238E27FC236}">
+                <a16:creationId xmlns:a16="http://schemas.microsoft.com/office/drawing/2014/main" id="{0CA9BBC9-FCFF-D51A-1697-A303D736D51A}"/>
               </a:ext>
             </a:extLst>
           </p:cNvPr>
@@ -4474,8 +4706,8 @@
         </p:blipFill>
         <p:spPr>
           <a:xfrm>
-            <a:off x="1523429" y="2289358"/>
-            <a:ext cx="4572571" cy="1834967"/>
+            <a:off x="2037875" y="2265037"/>
+            <a:ext cx="4058125" cy="2016014"/>
           </a:xfrm>
           <a:prstGeom prst="rect">
             <a:avLst/>
@@ -4484,10 +4716,10 @@
       </p:pic>
       <p:pic>
         <p:nvPicPr>
-          <p:cNvPr id="6" name="그림 5">
-            <a:extLst>
-              <a:ext uri="{FF2B5EF4-FFF2-40B4-BE49-F238E27FC236}">
-                <a16:creationId xmlns:a16="http://schemas.microsoft.com/office/drawing/2014/main" id="{223A2721-0F62-F2A7-2C96-7EECA76CC8C2}"/>
+          <p:cNvPr id="31" name="그림 30">
+            <a:extLst>
+              <a:ext uri="{FF2B5EF4-FFF2-40B4-BE49-F238E27FC236}">
+                <a16:creationId xmlns:a16="http://schemas.microsoft.com/office/drawing/2014/main" id="{97868D88-1DF0-7BF5-0DA4-ADC4280EA273}"/>
               </a:ext>
             </a:extLst>
           </p:cNvPr>
@@ -4504,8 +4736,8 @@
         </p:blipFill>
         <p:spPr>
           <a:xfrm>
-            <a:off x="6096000" y="2289358"/>
-            <a:ext cx="4181475" cy="1835335"/>
+            <a:off x="6096000" y="2265037"/>
+            <a:ext cx="3724275" cy="2021936"/>
           </a:xfrm>
           <a:prstGeom prst="rect">
             <a:avLst/>
@@ -4514,10 +4746,10 @@
       </p:pic>
       <p:pic>
         <p:nvPicPr>
-          <p:cNvPr id="8" name="그림 7">
-            <a:extLst>
-              <a:ext uri="{FF2B5EF4-FFF2-40B4-BE49-F238E27FC236}">
-                <a16:creationId xmlns:a16="http://schemas.microsoft.com/office/drawing/2014/main" id="{FBF69F7B-28F7-D923-C3ED-4AFC485BA449}"/>
+          <p:cNvPr id="5" name="그림 4">
+            <a:extLst>
+              <a:ext uri="{FF2B5EF4-FFF2-40B4-BE49-F238E27FC236}">
+                <a16:creationId xmlns:a16="http://schemas.microsoft.com/office/drawing/2014/main" id="{739CAF3E-9C26-F638-8AB8-269C55B586E1}"/>
               </a:ext>
             </a:extLst>
           </p:cNvPr>
@@ -4534,8 +4766,38 @@
         </p:blipFill>
         <p:spPr>
           <a:xfrm>
-            <a:off x="1523428" y="4124326"/>
-            <a:ext cx="4572571" cy="1846844"/>
+            <a:off x="2037875" y="4279320"/>
+            <a:ext cx="4058125" cy="1968159"/>
+          </a:xfrm>
+          <a:prstGeom prst="rect">
+            <a:avLst/>
+          </a:prstGeom>
+        </p:spPr>
+      </p:pic>
+      <p:pic>
+        <p:nvPicPr>
+          <p:cNvPr id="7" name="그림 6">
+            <a:extLst>
+              <a:ext uri="{FF2B5EF4-FFF2-40B4-BE49-F238E27FC236}">
+                <a16:creationId xmlns:a16="http://schemas.microsoft.com/office/drawing/2014/main" id="{CDFEF9AC-D13D-E8F2-5130-C80F8ACA639C}"/>
+              </a:ext>
+            </a:extLst>
+          </p:cNvPr>
+          <p:cNvPicPr>
+            <a:picLocks noChangeAspect="1"/>
+          </p:cNvPicPr>
+          <p:nvPr/>
+        </p:nvPicPr>
+        <p:blipFill>
+          <a:blip r:embed="rId5"/>
+          <a:stretch>
+            <a:fillRect/>
+          </a:stretch>
+        </p:blipFill>
+        <p:spPr>
+          <a:xfrm>
+            <a:off x="6096000" y="4279320"/>
+            <a:ext cx="3190875" cy="1968564"/>
           </a:xfrm>
           <a:prstGeom prst="rect">
             <a:avLst/>
@@ -4545,7 +4807,7 @@
     </p:spTree>
     <p:extLst>
       <p:ext uri="{BB962C8B-B14F-4D97-AF65-F5344CB8AC3E}">
-        <p14:creationId xmlns:p14="http://schemas.microsoft.com/office/powerpoint/2010/main" val="1447818612"/>
+        <p14:creationId xmlns:p14="http://schemas.microsoft.com/office/powerpoint/2010/main" val="1284897760"/>
       </p:ext>
     </p:extLst>
   </p:cSld>
@@ -4556,6 +4818,1497 @@
 </file>
 
 <file path=ppt/slides/slide6.xml><?xml version="1.0" encoding="utf-8"?>
+<p:sld xmlns:a="http://schemas.openxmlformats.org/drawingml/2006/main" xmlns:r="http://schemas.openxmlformats.org/officeDocument/2006/relationships" xmlns:p="http://schemas.openxmlformats.org/presentationml/2006/main">
+  <p:cSld>
+    <p:bg>
+      <p:bgPr>
+        <a:solidFill>
+          <a:schemeClr val="bg1"/>
+        </a:solidFill>
+        <a:effectLst/>
+      </p:bgPr>
+    </p:bg>
+    <p:spTree>
+      <p:nvGrpSpPr>
+        <p:cNvPr id="1" name=""/>
+        <p:cNvGrpSpPr/>
+        <p:nvPr/>
+      </p:nvGrpSpPr>
+      <p:grpSpPr>
+        <a:xfrm>
+          <a:off x="0" y="0"/>
+          <a:ext cx="0" cy="0"/>
+          <a:chOff x="0" y="0"/>
+          <a:chExt cx="0" cy="0"/>
+        </a:xfrm>
+      </p:grpSpPr>
+      <p:sp>
+        <p:nvSpPr>
+          <p:cNvPr id="21" name="Rectangle 17">
+            <a:extLst>
+              <a:ext uri="{FF2B5EF4-FFF2-40B4-BE49-F238E27FC236}">
+                <a16:creationId xmlns:a16="http://schemas.microsoft.com/office/drawing/2014/main" id="{C3896A03-3945-419A-B66B-4EE266EDD152}"/>
+              </a:ext>
+              <a:ext uri="{C183D7F6-B498-43B3-948B-1728B52AA6E4}">
+                <adec:decorative xmlns:adec="http://schemas.microsoft.com/office/drawing/2017/decorative" val="1"/>
+              </a:ext>
+            </a:extLst>
+          </p:cNvPr>
+          <p:cNvSpPr>
+            <a:spLocks noGrp="1" noRot="1" noChangeAspect="1" noMove="1" noResize="1" noEditPoints="1" noAdjustHandles="1" noChangeArrowheads="1" noChangeShapeType="1" noTextEdit="1"/>
+          </p:cNvSpPr>
+          <p:nvPr>
+            <p:extLst>
+              <p:ext uri="{386F3935-93C4-4BCD-93E2-E3B085C9AB24}">
+                <p16:designElem xmlns:p16="http://schemas.microsoft.com/office/powerpoint/2015/main" val="1"/>
+              </p:ext>
+            </p:extLst>
+          </p:nvPr>
+        </p:nvSpPr>
+        <p:spPr>
+          <a:xfrm>
+            <a:off x="10" y="0"/>
+            <a:ext cx="6095990" cy="6858001"/>
+          </a:xfrm>
+          <a:prstGeom prst="rect">
+            <a:avLst/>
+          </a:prstGeom>
+          <a:solidFill>
+            <a:schemeClr val="tx1">
+              <a:lumMod val="85000"/>
+              <a:lumOff val="15000"/>
+            </a:schemeClr>
+          </a:solidFill>
+          <a:ln>
+            <a:noFill/>
+          </a:ln>
+        </p:spPr>
+        <p:style>
+          <a:lnRef idx="2">
+            <a:schemeClr val="accent1">
+              <a:shade val="50000"/>
+            </a:schemeClr>
+          </a:lnRef>
+          <a:fillRef idx="1">
+            <a:schemeClr val="accent1"/>
+          </a:fillRef>
+          <a:effectRef idx="0">
+            <a:schemeClr val="accent1"/>
+          </a:effectRef>
+          <a:fontRef idx="minor">
+            <a:schemeClr val="lt1"/>
+          </a:fontRef>
+        </p:style>
+        <p:txBody>
+          <a:bodyPr rtlCol="0" anchor="ctr"/>
+          <a:lstStyle/>
+          <a:p>
+            <a:pPr algn="ctr"/>
+            <a:endParaRPr lang="en-US"/>
+          </a:p>
+        </p:txBody>
+      </p:sp>
+      <p:sp>
+        <p:nvSpPr>
+          <p:cNvPr id="2" name="제목 1">
+            <a:extLst>
+              <a:ext uri="{FF2B5EF4-FFF2-40B4-BE49-F238E27FC236}">
+                <a16:creationId xmlns:a16="http://schemas.microsoft.com/office/drawing/2014/main" id="{45156F34-BE7A-2621-8386-BCE9ED3C1823}"/>
+              </a:ext>
+            </a:extLst>
+          </p:cNvPr>
+          <p:cNvSpPr>
+            <a:spLocks noGrp="1"/>
+          </p:cNvSpPr>
+          <p:nvPr>
+            <p:ph type="title"/>
+          </p:nvPr>
+        </p:nvSpPr>
+        <p:spPr>
+          <a:xfrm>
+            <a:off x="792648" y="649674"/>
+            <a:ext cx="4284420" cy="1615363"/>
+          </a:xfrm>
+        </p:spPr>
+        <p:txBody>
+          <a:bodyPr anchor="t">
+            <a:normAutofit/>
+          </a:bodyPr>
+          <a:lstStyle/>
+          <a:p>
+            <a:r>
+              <a:rPr lang="en-US" altLang="ko-KR" sz="4000" dirty="0">
+                <a:solidFill>
+                  <a:schemeClr val="bg1"/>
+                </a:solidFill>
+              </a:rPr>
+              <a:t>window</a:t>
+            </a:r>
+            <a:endParaRPr lang="ko-KR" altLang="en-US" sz="4000" dirty="0">
+              <a:solidFill>
+                <a:schemeClr val="bg1"/>
+              </a:solidFill>
+            </a:endParaRPr>
+          </a:p>
+        </p:txBody>
+      </p:sp>
+      <p:sp>
+        <p:nvSpPr>
+          <p:cNvPr id="20" name="Rectangle 19">
+            <a:extLst>
+              <a:ext uri="{FF2B5EF4-FFF2-40B4-BE49-F238E27FC236}">
+                <a16:creationId xmlns:a16="http://schemas.microsoft.com/office/drawing/2014/main" id="{B34F5AD2-EDBD-4BBD-A55C-EAFFD0C7097A}"/>
+              </a:ext>
+              <a:ext uri="{C183D7F6-B498-43B3-948B-1728B52AA6E4}">
+                <adec:decorative xmlns:adec="http://schemas.microsoft.com/office/drawing/2017/decorative" val="1"/>
+              </a:ext>
+            </a:extLst>
+          </p:cNvPr>
+          <p:cNvSpPr>
+            <a:spLocks noGrp="1" noRot="1" noChangeAspect="1" noMove="1" noResize="1" noEditPoints="1" noAdjustHandles="1" noChangeArrowheads="1" noChangeShapeType="1" noTextEdit="1"/>
+          </p:cNvSpPr>
+          <p:nvPr>
+            <p:extLst>
+              <p:ext uri="{386F3935-93C4-4BCD-93E2-E3B085C9AB24}">
+                <p16:designElem xmlns:p16="http://schemas.microsoft.com/office/powerpoint/2015/main" val="1"/>
+              </p:ext>
+            </p:extLst>
+          </p:nvPr>
+        </p:nvSpPr>
+        <p:spPr>
+          <a:xfrm>
+            <a:off x="6096000" y="0"/>
+            <a:ext cx="6095990" cy="6858001"/>
+          </a:xfrm>
+          <a:prstGeom prst="rect">
+            <a:avLst/>
+          </a:prstGeom>
+          <a:solidFill>
+            <a:schemeClr val="bg1">
+              <a:lumMod val="95000"/>
+            </a:schemeClr>
+          </a:solidFill>
+          <a:ln>
+            <a:noFill/>
+          </a:ln>
+        </p:spPr>
+        <p:style>
+          <a:lnRef idx="2">
+            <a:schemeClr val="accent1">
+              <a:shade val="50000"/>
+            </a:schemeClr>
+          </a:lnRef>
+          <a:fillRef idx="1">
+            <a:schemeClr val="accent1"/>
+          </a:fillRef>
+          <a:effectRef idx="0">
+            <a:schemeClr val="accent1"/>
+          </a:effectRef>
+          <a:fontRef idx="minor">
+            <a:schemeClr val="lt1"/>
+          </a:fontRef>
+        </p:style>
+        <p:txBody>
+          <a:bodyPr rtlCol="0" anchor="ctr"/>
+          <a:lstStyle/>
+          <a:p>
+            <a:pPr algn="ctr"/>
+            <a:endParaRPr lang="en-US"/>
+          </a:p>
+        </p:txBody>
+      </p:sp>
+      <p:sp>
+        <p:nvSpPr>
+          <p:cNvPr id="22" name="Rectangle 21">
+            <a:extLst>
+              <a:ext uri="{FF2B5EF4-FFF2-40B4-BE49-F238E27FC236}">
+                <a16:creationId xmlns:a16="http://schemas.microsoft.com/office/drawing/2014/main" id="{450D3AD2-FA80-415F-A9CE-54D884561CD7}"/>
+              </a:ext>
+              <a:ext uri="{C183D7F6-B498-43B3-948B-1728B52AA6E4}">
+                <adec:decorative xmlns:adec="http://schemas.microsoft.com/office/drawing/2017/decorative" val="1"/>
+              </a:ext>
+            </a:extLst>
+          </p:cNvPr>
+          <p:cNvSpPr>
+            <a:spLocks noGrp="1" noRot="1" noChangeAspect="1" noMove="1" noResize="1" noEditPoints="1" noAdjustHandles="1" noChangeArrowheads="1" noChangeShapeType="1" noTextEdit="1"/>
+          </p:cNvSpPr>
+          <p:nvPr>
+            <p:extLst>
+              <p:ext uri="{386F3935-93C4-4BCD-93E2-E3B085C9AB24}">
+                <p16:designElem xmlns:p16="http://schemas.microsoft.com/office/powerpoint/2015/main" val="1"/>
+              </p:ext>
+            </p:extLst>
+          </p:nvPr>
+        </p:nvSpPr>
+        <p:spPr>
+          <a:xfrm>
+            <a:off x="6734650" y="642750"/>
+            <a:ext cx="457200" cy="45720"/>
+          </a:xfrm>
+          <a:prstGeom prst="rect">
+            <a:avLst/>
+          </a:prstGeom>
+          <a:solidFill>
+            <a:schemeClr val="tx1"/>
+          </a:solidFill>
+          <a:ln>
+            <a:noFill/>
+          </a:ln>
+        </p:spPr>
+        <p:style>
+          <a:lnRef idx="2">
+            <a:schemeClr val="accent1">
+              <a:shade val="50000"/>
+            </a:schemeClr>
+          </a:lnRef>
+          <a:fillRef idx="1">
+            <a:schemeClr val="accent1"/>
+          </a:fillRef>
+          <a:effectRef idx="0">
+            <a:schemeClr val="accent1"/>
+          </a:effectRef>
+          <a:fontRef idx="minor">
+            <a:schemeClr val="lt1"/>
+          </a:fontRef>
+        </p:style>
+        <p:txBody>
+          <a:bodyPr rtlCol="0" anchor="ctr"/>
+          <a:lstStyle/>
+          <a:p>
+            <a:pPr algn="ctr"/>
+            <a:endParaRPr lang="en-US"/>
+          </a:p>
+        </p:txBody>
+      </p:sp>
+      <p:sp>
+        <p:nvSpPr>
+          <p:cNvPr id="15" name="Content Placeholder 14">
+            <a:extLst>
+              <a:ext uri="{FF2B5EF4-FFF2-40B4-BE49-F238E27FC236}">
+                <a16:creationId xmlns:a16="http://schemas.microsoft.com/office/drawing/2014/main" id="{24DE8F65-7901-9234-AA62-E038B5598511}"/>
+              </a:ext>
+            </a:extLst>
+          </p:cNvPr>
+          <p:cNvSpPr>
+            <a:spLocks noGrp="1"/>
+          </p:cNvSpPr>
+          <p:nvPr>
+            <p:ph idx="1"/>
+          </p:nvPr>
+        </p:nvSpPr>
+        <p:spPr>
+          <a:xfrm>
+            <a:off x="7536567" y="649674"/>
+            <a:ext cx="4310706" cy="1414551"/>
+          </a:xfrm>
+        </p:spPr>
+        <p:txBody>
+          <a:bodyPr>
+            <a:normAutofit/>
+          </a:bodyPr>
+          <a:lstStyle/>
+          <a:p>
+            <a:r>
+              <a:rPr lang="en-US" altLang="ko-KR" sz="1600" dirty="0"/>
+              <a:t>(1) </a:t>
+            </a:r>
+            <a:r>
+              <a:rPr lang="ko-KR" altLang="en-US" sz="1600" dirty="0"/>
+              <a:t>기존 결과</a:t>
+            </a:r>
+            <a:endParaRPr lang="en-US" altLang="ko-KR" sz="1600" dirty="0"/>
+          </a:p>
+          <a:p>
+            <a:r>
+              <a:rPr lang="en-US" altLang="ko-KR" sz="1600" dirty="0"/>
+              <a:t>(2) window = 3</a:t>
+            </a:r>
+          </a:p>
+          <a:p>
+            <a:r>
+              <a:rPr lang="en-US" altLang="ko-KR" sz="1600" dirty="0"/>
+              <a:t>(3) window</a:t>
+            </a:r>
+            <a:r>
+              <a:rPr lang="ko-KR" altLang="en-US" sz="1600" dirty="0"/>
+              <a:t> </a:t>
+            </a:r>
+            <a:r>
+              <a:rPr lang="en-US" altLang="ko-KR" sz="1600" dirty="0"/>
+              <a:t>=</a:t>
+            </a:r>
+            <a:r>
+              <a:rPr lang="ko-KR" altLang="en-US" sz="1600" dirty="0"/>
+              <a:t> </a:t>
+            </a:r>
+            <a:r>
+              <a:rPr lang="en-US" altLang="ko-KR" sz="1600" dirty="0"/>
+              <a:t>7</a:t>
+            </a:r>
+          </a:p>
+          <a:p>
+            <a:r>
+              <a:rPr lang="en-US" altLang="ko-KR" sz="1600" dirty="0"/>
+              <a:t>(4) window = 10</a:t>
+            </a:r>
+          </a:p>
+        </p:txBody>
+      </p:sp>
+      <p:pic>
+        <p:nvPicPr>
+          <p:cNvPr id="28" name="그림 27">
+            <a:extLst>
+              <a:ext uri="{FF2B5EF4-FFF2-40B4-BE49-F238E27FC236}">
+                <a16:creationId xmlns:a16="http://schemas.microsoft.com/office/drawing/2014/main" id="{0CA9BBC9-FCFF-D51A-1697-A303D736D51A}"/>
+              </a:ext>
+            </a:extLst>
+          </p:cNvPr>
+          <p:cNvPicPr>
+            <a:picLocks noChangeAspect="1"/>
+          </p:cNvPicPr>
+          <p:nvPr/>
+        </p:nvPicPr>
+        <p:blipFill>
+          <a:blip r:embed="rId2"/>
+          <a:stretch>
+            <a:fillRect/>
+          </a:stretch>
+        </p:blipFill>
+        <p:spPr>
+          <a:xfrm>
+            <a:off x="2037875" y="2265037"/>
+            <a:ext cx="4058125" cy="2016014"/>
+          </a:xfrm>
+          <a:prstGeom prst="rect">
+            <a:avLst/>
+          </a:prstGeom>
+        </p:spPr>
+      </p:pic>
+      <p:pic>
+        <p:nvPicPr>
+          <p:cNvPr id="33" name="그림 32">
+            <a:extLst>
+              <a:ext uri="{FF2B5EF4-FFF2-40B4-BE49-F238E27FC236}">
+                <a16:creationId xmlns:a16="http://schemas.microsoft.com/office/drawing/2014/main" id="{0216CE61-F188-20DC-F8D8-A5C3FFCC9F94}"/>
+              </a:ext>
+            </a:extLst>
+          </p:cNvPr>
+          <p:cNvPicPr>
+            <a:picLocks noChangeAspect="1"/>
+          </p:cNvPicPr>
+          <p:nvPr/>
+        </p:nvPicPr>
+        <p:blipFill>
+          <a:blip r:embed="rId3"/>
+          <a:stretch>
+            <a:fillRect/>
+          </a:stretch>
+        </p:blipFill>
+        <p:spPr>
+          <a:xfrm>
+            <a:off x="6104802" y="2265037"/>
+            <a:ext cx="4058125" cy="1996441"/>
+          </a:xfrm>
+          <a:prstGeom prst="rect">
+            <a:avLst/>
+          </a:prstGeom>
+        </p:spPr>
+      </p:pic>
+      <p:pic>
+        <p:nvPicPr>
+          <p:cNvPr id="5" name="그림 4">
+            <a:extLst>
+              <a:ext uri="{FF2B5EF4-FFF2-40B4-BE49-F238E27FC236}">
+                <a16:creationId xmlns:a16="http://schemas.microsoft.com/office/drawing/2014/main" id="{191E0E84-A4BA-FC81-2D7B-BF5212139B3F}"/>
+              </a:ext>
+            </a:extLst>
+          </p:cNvPr>
+          <p:cNvPicPr>
+            <a:picLocks noChangeAspect="1"/>
+          </p:cNvPicPr>
+          <p:nvPr/>
+        </p:nvPicPr>
+        <p:blipFill>
+          <a:blip r:embed="rId4"/>
+          <a:stretch>
+            <a:fillRect/>
+          </a:stretch>
+        </p:blipFill>
+        <p:spPr>
+          <a:xfrm>
+            <a:off x="2057744" y="4261478"/>
+            <a:ext cx="4038256" cy="1996441"/>
+          </a:xfrm>
+          <a:prstGeom prst="rect">
+            <a:avLst/>
+          </a:prstGeom>
+        </p:spPr>
+      </p:pic>
+      <p:pic>
+        <p:nvPicPr>
+          <p:cNvPr id="7" name="그림 6">
+            <a:extLst>
+              <a:ext uri="{FF2B5EF4-FFF2-40B4-BE49-F238E27FC236}">
+                <a16:creationId xmlns:a16="http://schemas.microsoft.com/office/drawing/2014/main" id="{F61C45BC-143F-B23A-9448-CC0215DFB098}"/>
+              </a:ext>
+            </a:extLst>
+          </p:cNvPr>
+          <p:cNvPicPr>
+            <a:picLocks noChangeAspect="1"/>
+          </p:cNvPicPr>
+          <p:nvPr/>
+        </p:nvPicPr>
+        <p:blipFill>
+          <a:blip r:embed="rId5"/>
+          <a:stretch>
+            <a:fillRect/>
+          </a:stretch>
+        </p:blipFill>
+        <p:spPr>
+          <a:xfrm>
+            <a:off x="6097812" y="4267298"/>
+            <a:ext cx="4036444" cy="1988973"/>
+          </a:xfrm>
+          <a:prstGeom prst="rect">
+            <a:avLst/>
+          </a:prstGeom>
+        </p:spPr>
+      </p:pic>
+    </p:spTree>
+    <p:extLst>
+      <p:ext uri="{BB962C8B-B14F-4D97-AF65-F5344CB8AC3E}">
+        <p14:creationId xmlns:p14="http://schemas.microsoft.com/office/powerpoint/2010/main" val="1350194334"/>
+      </p:ext>
+    </p:extLst>
+  </p:cSld>
+  <p:clrMapOvr>
+    <a:masterClrMapping/>
+  </p:clrMapOvr>
+</p:sld>
+</file>
+
+<file path=ppt/slides/slide7.xml><?xml version="1.0" encoding="utf-8"?>
+<p:sld xmlns:a="http://schemas.openxmlformats.org/drawingml/2006/main" xmlns:r="http://schemas.openxmlformats.org/officeDocument/2006/relationships" xmlns:p="http://schemas.openxmlformats.org/presentationml/2006/main">
+  <p:cSld>
+    <p:bg>
+      <p:bgPr>
+        <a:solidFill>
+          <a:schemeClr val="bg1"/>
+        </a:solidFill>
+        <a:effectLst/>
+      </p:bgPr>
+    </p:bg>
+    <p:spTree>
+      <p:nvGrpSpPr>
+        <p:cNvPr id="1" name=""/>
+        <p:cNvGrpSpPr/>
+        <p:nvPr/>
+      </p:nvGrpSpPr>
+      <p:grpSpPr>
+        <a:xfrm>
+          <a:off x="0" y="0"/>
+          <a:ext cx="0" cy="0"/>
+          <a:chOff x="0" y="0"/>
+          <a:chExt cx="0" cy="0"/>
+        </a:xfrm>
+      </p:grpSpPr>
+      <p:sp>
+        <p:nvSpPr>
+          <p:cNvPr id="21" name="Rectangle 17">
+            <a:extLst>
+              <a:ext uri="{FF2B5EF4-FFF2-40B4-BE49-F238E27FC236}">
+                <a16:creationId xmlns:a16="http://schemas.microsoft.com/office/drawing/2014/main" id="{C3896A03-3945-419A-B66B-4EE266EDD152}"/>
+              </a:ext>
+              <a:ext uri="{C183D7F6-B498-43B3-948B-1728B52AA6E4}">
+                <adec:decorative xmlns:adec="http://schemas.microsoft.com/office/drawing/2017/decorative" val="1"/>
+              </a:ext>
+            </a:extLst>
+          </p:cNvPr>
+          <p:cNvSpPr>
+            <a:spLocks noGrp="1" noRot="1" noChangeAspect="1" noMove="1" noResize="1" noEditPoints="1" noAdjustHandles="1" noChangeArrowheads="1" noChangeShapeType="1" noTextEdit="1"/>
+          </p:cNvSpPr>
+          <p:nvPr>
+            <p:extLst>
+              <p:ext uri="{386F3935-93C4-4BCD-93E2-E3B085C9AB24}">
+                <p16:designElem xmlns:p16="http://schemas.microsoft.com/office/powerpoint/2015/main" val="1"/>
+              </p:ext>
+            </p:extLst>
+          </p:nvPr>
+        </p:nvSpPr>
+        <p:spPr>
+          <a:xfrm>
+            <a:off x="10" y="0"/>
+            <a:ext cx="6095990" cy="6858001"/>
+          </a:xfrm>
+          <a:prstGeom prst="rect">
+            <a:avLst/>
+          </a:prstGeom>
+          <a:solidFill>
+            <a:schemeClr val="tx1">
+              <a:lumMod val="85000"/>
+              <a:lumOff val="15000"/>
+            </a:schemeClr>
+          </a:solidFill>
+          <a:ln>
+            <a:noFill/>
+          </a:ln>
+        </p:spPr>
+        <p:style>
+          <a:lnRef idx="2">
+            <a:schemeClr val="accent1">
+              <a:shade val="50000"/>
+            </a:schemeClr>
+          </a:lnRef>
+          <a:fillRef idx="1">
+            <a:schemeClr val="accent1"/>
+          </a:fillRef>
+          <a:effectRef idx="0">
+            <a:schemeClr val="accent1"/>
+          </a:effectRef>
+          <a:fontRef idx="minor">
+            <a:schemeClr val="lt1"/>
+          </a:fontRef>
+        </p:style>
+        <p:txBody>
+          <a:bodyPr rtlCol="0" anchor="ctr"/>
+          <a:lstStyle/>
+          <a:p>
+            <a:pPr algn="ctr"/>
+            <a:endParaRPr lang="en-US"/>
+          </a:p>
+        </p:txBody>
+      </p:sp>
+      <p:sp>
+        <p:nvSpPr>
+          <p:cNvPr id="2" name="제목 1">
+            <a:extLst>
+              <a:ext uri="{FF2B5EF4-FFF2-40B4-BE49-F238E27FC236}">
+                <a16:creationId xmlns:a16="http://schemas.microsoft.com/office/drawing/2014/main" id="{45156F34-BE7A-2621-8386-BCE9ED3C1823}"/>
+              </a:ext>
+            </a:extLst>
+          </p:cNvPr>
+          <p:cNvSpPr>
+            <a:spLocks noGrp="1"/>
+          </p:cNvSpPr>
+          <p:nvPr>
+            <p:ph type="title"/>
+          </p:nvPr>
+        </p:nvSpPr>
+        <p:spPr>
+          <a:xfrm>
+            <a:off x="792648" y="649674"/>
+            <a:ext cx="4284420" cy="1615363"/>
+          </a:xfrm>
+        </p:spPr>
+        <p:txBody>
+          <a:bodyPr anchor="t">
+            <a:normAutofit/>
+          </a:bodyPr>
+          <a:lstStyle/>
+          <a:p>
+            <a:r>
+              <a:rPr lang="en-US" altLang="ko-KR" sz="4000" dirty="0">
+                <a:solidFill>
+                  <a:schemeClr val="bg1"/>
+                </a:solidFill>
+              </a:rPr>
+              <a:t>vector size</a:t>
+            </a:r>
+            <a:endParaRPr lang="ko-KR" altLang="en-US" sz="4000" dirty="0">
+              <a:solidFill>
+                <a:schemeClr val="bg1"/>
+              </a:solidFill>
+            </a:endParaRPr>
+          </a:p>
+        </p:txBody>
+      </p:sp>
+      <p:sp>
+        <p:nvSpPr>
+          <p:cNvPr id="20" name="Rectangle 19">
+            <a:extLst>
+              <a:ext uri="{FF2B5EF4-FFF2-40B4-BE49-F238E27FC236}">
+                <a16:creationId xmlns:a16="http://schemas.microsoft.com/office/drawing/2014/main" id="{B34F5AD2-EDBD-4BBD-A55C-EAFFD0C7097A}"/>
+              </a:ext>
+              <a:ext uri="{C183D7F6-B498-43B3-948B-1728B52AA6E4}">
+                <adec:decorative xmlns:adec="http://schemas.microsoft.com/office/drawing/2017/decorative" val="1"/>
+              </a:ext>
+            </a:extLst>
+          </p:cNvPr>
+          <p:cNvSpPr>
+            <a:spLocks noGrp="1" noRot="1" noChangeAspect="1" noMove="1" noResize="1" noEditPoints="1" noAdjustHandles="1" noChangeArrowheads="1" noChangeShapeType="1" noTextEdit="1"/>
+          </p:cNvSpPr>
+          <p:nvPr>
+            <p:extLst>
+              <p:ext uri="{386F3935-93C4-4BCD-93E2-E3B085C9AB24}">
+                <p16:designElem xmlns:p16="http://schemas.microsoft.com/office/powerpoint/2015/main" val="1"/>
+              </p:ext>
+            </p:extLst>
+          </p:nvPr>
+        </p:nvSpPr>
+        <p:spPr>
+          <a:xfrm>
+            <a:off x="6096000" y="0"/>
+            <a:ext cx="6095990" cy="6858001"/>
+          </a:xfrm>
+          <a:prstGeom prst="rect">
+            <a:avLst/>
+          </a:prstGeom>
+          <a:solidFill>
+            <a:schemeClr val="bg1">
+              <a:lumMod val="95000"/>
+            </a:schemeClr>
+          </a:solidFill>
+          <a:ln>
+            <a:noFill/>
+          </a:ln>
+        </p:spPr>
+        <p:style>
+          <a:lnRef idx="2">
+            <a:schemeClr val="accent1">
+              <a:shade val="50000"/>
+            </a:schemeClr>
+          </a:lnRef>
+          <a:fillRef idx="1">
+            <a:schemeClr val="accent1"/>
+          </a:fillRef>
+          <a:effectRef idx="0">
+            <a:schemeClr val="accent1"/>
+          </a:effectRef>
+          <a:fontRef idx="minor">
+            <a:schemeClr val="lt1"/>
+          </a:fontRef>
+        </p:style>
+        <p:txBody>
+          <a:bodyPr rtlCol="0" anchor="ctr"/>
+          <a:lstStyle/>
+          <a:p>
+            <a:pPr algn="ctr"/>
+            <a:endParaRPr lang="en-US"/>
+          </a:p>
+        </p:txBody>
+      </p:sp>
+      <p:sp>
+        <p:nvSpPr>
+          <p:cNvPr id="22" name="Rectangle 21">
+            <a:extLst>
+              <a:ext uri="{FF2B5EF4-FFF2-40B4-BE49-F238E27FC236}">
+                <a16:creationId xmlns:a16="http://schemas.microsoft.com/office/drawing/2014/main" id="{450D3AD2-FA80-415F-A9CE-54D884561CD7}"/>
+              </a:ext>
+              <a:ext uri="{C183D7F6-B498-43B3-948B-1728B52AA6E4}">
+                <adec:decorative xmlns:adec="http://schemas.microsoft.com/office/drawing/2017/decorative" val="1"/>
+              </a:ext>
+            </a:extLst>
+          </p:cNvPr>
+          <p:cNvSpPr>
+            <a:spLocks noGrp="1" noRot="1" noChangeAspect="1" noMove="1" noResize="1" noEditPoints="1" noAdjustHandles="1" noChangeArrowheads="1" noChangeShapeType="1" noTextEdit="1"/>
+          </p:cNvSpPr>
+          <p:nvPr>
+            <p:extLst>
+              <p:ext uri="{386F3935-93C4-4BCD-93E2-E3B085C9AB24}">
+                <p16:designElem xmlns:p16="http://schemas.microsoft.com/office/powerpoint/2015/main" val="1"/>
+              </p:ext>
+            </p:extLst>
+          </p:nvPr>
+        </p:nvSpPr>
+        <p:spPr>
+          <a:xfrm>
+            <a:off x="6734650" y="642750"/>
+            <a:ext cx="457200" cy="45720"/>
+          </a:xfrm>
+          <a:prstGeom prst="rect">
+            <a:avLst/>
+          </a:prstGeom>
+          <a:solidFill>
+            <a:schemeClr val="tx1"/>
+          </a:solidFill>
+          <a:ln>
+            <a:noFill/>
+          </a:ln>
+        </p:spPr>
+        <p:style>
+          <a:lnRef idx="2">
+            <a:schemeClr val="accent1">
+              <a:shade val="50000"/>
+            </a:schemeClr>
+          </a:lnRef>
+          <a:fillRef idx="1">
+            <a:schemeClr val="accent1"/>
+          </a:fillRef>
+          <a:effectRef idx="0">
+            <a:schemeClr val="accent1"/>
+          </a:effectRef>
+          <a:fontRef idx="minor">
+            <a:schemeClr val="lt1"/>
+          </a:fontRef>
+        </p:style>
+        <p:txBody>
+          <a:bodyPr rtlCol="0" anchor="ctr"/>
+          <a:lstStyle/>
+          <a:p>
+            <a:pPr algn="ctr"/>
+            <a:endParaRPr lang="en-US"/>
+          </a:p>
+        </p:txBody>
+      </p:sp>
+      <p:sp>
+        <p:nvSpPr>
+          <p:cNvPr id="15" name="Content Placeholder 14">
+            <a:extLst>
+              <a:ext uri="{FF2B5EF4-FFF2-40B4-BE49-F238E27FC236}">
+                <a16:creationId xmlns:a16="http://schemas.microsoft.com/office/drawing/2014/main" id="{24DE8F65-7901-9234-AA62-E038B5598511}"/>
+              </a:ext>
+            </a:extLst>
+          </p:cNvPr>
+          <p:cNvSpPr>
+            <a:spLocks noGrp="1"/>
+          </p:cNvSpPr>
+          <p:nvPr>
+            <p:ph idx="1"/>
+          </p:nvPr>
+        </p:nvSpPr>
+        <p:spPr>
+          <a:xfrm>
+            <a:off x="7536567" y="665610"/>
+            <a:ext cx="4310706" cy="1414551"/>
+          </a:xfrm>
+        </p:spPr>
+        <p:txBody>
+          <a:bodyPr>
+            <a:normAutofit/>
+          </a:bodyPr>
+          <a:lstStyle/>
+          <a:p>
+            <a:r>
+              <a:rPr lang="en-US" altLang="ko-KR" sz="1600" dirty="0"/>
+              <a:t>(1) </a:t>
+            </a:r>
+            <a:r>
+              <a:rPr lang="ko-KR" altLang="en-US" sz="1600" dirty="0"/>
+              <a:t>기존 결과</a:t>
+            </a:r>
+            <a:endParaRPr lang="en-US" altLang="ko-KR" sz="1600" dirty="0"/>
+          </a:p>
+          <a:p>
+            <a:r>
+              <a:rPr lang="en-US" altLang="ko-KR" sz="1600" dirty="0"/>
+              <a:t>(2) </a:t>
+            </a:r>
+            <a:r>
+              <a:rPr lang="en-US" altLang="ko-KR" sz="1600" dirty="0" err="1"/>
+              <a:t>vector_size</a:t>
+            </a:r>
+            <a:r>
+              <a:rPr lang="en-US" altLang="ko-KR" sz="1600" dirty="0"/>
+              <a:t> = 200</a:t>
+            </a:r>
+            <a:endParaRPr lang="ko-KR" altLang="en-US" sz="1600" dirty="0"/>
+          </a:p>
+          <a:p>
+            <a:r>
+              <a:rPr lang="en-US" altLang="ko-KR" sz="1600" dirty="0"/>
+              <a:t>(3) </a:t>
+            </a:r>
+            <a:r>
+              <a:rPr lang="en-US" altLang="ko-KR" sz="1600" dirty="0" err="1"/>
+              <a:t>vector_size</a:t>
+            </a:r>
+            <a:r>
+              <a:rPr lang="en-US" altLang="ko-KR" sz="1600" dirty="0"/>
+              <a:t> = 500</a:t>
+            </a:r>
+          </a:p>
+          <a:p>
+            <a:r>
+              <a:rPr lang="en-US" altLang="ko-KR" sz="1600" dirty="0"/>
+              <a:t>(4) </a:t>
+            </a:r>
+            <a:r>
+              <a:rPr lang="en-US" altLang="ko-KR" sz="1600" dirty="0" err="1"/>
+              <a:t>vector_size</a:t>
+            </a:r>
+            <a:r>
+              <a:rPr lang="en-US" altLang="ko-KR" sz="1600" dirty="0"/>
+              <a:t> = 1000</a:t>
+            </a:r>
+          </a:p>
+        </p:txBody>
+      </p:sp>
+      <p:pic>
+        <p:nvPicPr>
+          <p:cNvPr id="28" name="그림 27">
+            <a:extLst>
+              <a:ext uri="{FF2B5EF4-FFF2-40B4-BE49-F238E27FC236}">
+                <a16:creationId xmlns:a16="http://schemas.microsoft.com/office/drawing/2014/main" id="{0CA9BBC9-FCFF-D51A-1697-A303D736D51A}"/>
+              </a:ext>
+            </a:extLst>
+          </p:cNvPr>
+          <p:cNvPicPr>
+            <a:picLocks noChangeAspect="1"/>
+          </p:cNvPicPr>
+          <p:nvPr/>
+        </p:nvPicPr>
+        <p:blipFill>
+          <a:blip r:embed="rId2"/>
+          <a:stretch>
+            <a:fillRect/>
+          </a:stretch>
+        </p:blipFill>
+        <p:spPr>
+          <a:xfrm>
+            <a:off x="2037875" y="2265037"/>
+            <a:ext cx="4058125" cy="2016014"/>
+          </a:xfrm>
+          <a:prstGeom prst="rect">
+            <a:avLst/>
+          </a:prstGeom>
+        </p:spPr>
+      </p:pic>
+      <p:pic>
+        <p:nvPicPr>
+          <p:cNvPr id="4" name="그림 3">
+            <a:extLst>
+              <a:ext uri="{FF2B5EF4-FFF2-40B4-BE49-F238E27FC236}">
+                <a16:creationId xmlns:a16="http://schemas.microsoft.com/office/drawing/2014/main" id="{4E76E24F-BC18-CFEB-5E89-55BE8849AE32}"/>
+              </a:ext>
+            </a:extLst>
+          </p:cNvPr>
+          <p:cNvPicPr>
+            <a:picLocks noChangeAspect="1"/>
+          </p:cNvPicPr>
+          <p:nvPr/>
+        </p:nvPicPr>
+        <p:blipFill>
+          <a:blip r:embed="rId3"/>
+          <a:stretch>
+            <a:fillRect/>
+          </a:stretch>
+        </p:blipFill>
+        <p:spPr>
+          <a:xfrm>
+            <a:off x="6095999" y="4281051"/>
+            <a:ext cx="4316199" cy="1980677"/>
+          </a:xfrm>
+          <a:prstGeom prst="rect">
+            <a:avLst/>
+          </a:prstGeom>
+        </p:spPr>
+      </p:pic>
+      <p:pic>
+        <p:nvPicPr>
+          <p:cNvPr id="5" name="그림 4">
+            <a:extLst>
+              <a:ext uri="{FF2B5EF4-FFF2-40B4-BE49-F238E27FC236}">
+                <a16:creationId xmlns:a16="http://schemas.microsoft.com/office/drawing/2014/main" id="{AF23A7AB-486E-E331-805B-57A5B2F03535}"/>
+              </a:ext>
+            </a:extLst>
+          </p:cNvPr>
+          <p:cNvPicPr>
+            <a:picLocks noChangeAspect="1"/>
+          </p:cNvPicPr>
+          <p:nvPr/>
+        </p:nvPicPr>
+        <p:blipFill>
+          <a:blip r:embed="rId4"/>
+          <a:stretch>
+            <a:fillRect/>
+          </a:stretch>
+        </p:blipFill>
+        <p:spPr>
+          <a:xfrm>
+            <a:off x="6095998" y="2265037"/>
+            <a:ext cx="4077847" cy="2016014"/>
+          </a:xfrm>
+          <a:prstGeom prst="rect">
+            <a:avLst/>
+          </a:prstGeom>
+        </p:spPr>
+      </p:pic>
+      <p:pic>
+        <p:nvPicPr>
+          <p:cNvPr id="8" name="그림 7">
+            <a:extLst>
+              <a:ext uri="{FF2B5EF4-FFF2-40B4-BE49-F238E27FC236}">
+                <a16:creationId xmlns:a16="http://schemas.microsoft.com/office/drawing/2014/main" id="{F8428FC7-6793-8012-1E35-7C50DF54249A}"/>
+              </a:ext>
+            </a:extLst>
+          </p:cNvPr>
+          <p:cNvPicPr>
+            <a:picLocks noChangeAspect="1"/>
+          </p:cNvPicPr>
+          <p:nvPr/>
+        </p:nvPicPr>
+        <p:blipFill>
+          <a:blip r:embed="rId5"/>
+          <a:stretch>
+            <a:fillRect/>
+          </a:stretch>
+        </p:blipFill>
+        <p:spPr>
+          <a:xfrm>
+            <a:off x="2949316" y="4281051"/>
+            <a:ext cx="3146681" cy="1970714"/>
+          </a:xfrm>
+          <a:prstGeom prst="rect">
+            <a:avLst/>
+          </a:prstGeom>
+        </p:spPr>
+      </p:pic>
+    </p:spTree>
+    <p:extLst>
+      <p:ext uri="{BB962C8B-B14F-4D97-AF65-F5344CB8AC3E}">
+        <p14:creationId xmlns:p14="http://schemas.microsoft.com/office/powerpoint/2010/main" val="1031588287"/>
+      </p:ext>
+    </p:extLst>
+  </p:cSld>
+  <p:clrMapOvr>
+    <a:masterClrMapping/>
+  </p:clrMapOvr>
+</p:sld>
+</file>
+
+<file path=ppt/slides/slide8.xml><?xml version="1.0" encoding="utf-8"?>
+<p:sld xmlns:a="http://schemas.openxmlformats.org/drawingml/2006/main" xmlns:r="http://schemas.openxmlformats.org/officeDocument/2006/relationships" xmlns:p="http://schemas.openxmlformats.org/presentationml/2006/main">
+  <p:cSld>
+    <p:bg>
+      <p:bgPr>
+        <a:solidFill>
+          <a:schemeClr val="bg1"/>
+        </a:solidFill>
+        <a:effectLst/>
+      </p:bgPr>
+    </p:bg>
+    <p:spTree>
+      <p:nvGrpSpPr>
+        <p:cNvPr id="1" name=""/>
+        <p:cNvGrpSpPr/>
+        <p:nvPr/>
+      </p:nvGrpSpPr>
+      <p:grpSpPr>
+        <a:xfrm>
+          <a:off x="0" y="0"/>
+          <a:ext cx="0" cy="0"/>
+          <a:chOff x="0" y="0"/>
+          <a:chExt cx="0" cy="0"/>
+        </a:xfrm>
+      </p:grpSpPr>
+      <p:sp>
+        <p:nvSpPr>
+          <p:cNvPr id="21" name="Rectangle 17">
+            <a:extLst>
+              <a:ext uri="{FF2B5EF4-FFF2-40B4-BE49-F238E27FC236}">
+                <a16:creationId xmlns:a16="http://schemas.microsoft.com/office/drawing/2014/main" id="{C3896A03-3945-419A-B66B-4EE266EDD152}"/>
+              </a:ext>
+              <a:ext uri="{C183D7F6-B498-43B3-948B-1728B52AA6E4}">
+                <adec:decorative xmlns:adec="http://schemas.microsoft.com/office/drawing/2017/decorative" val="1"/>
+              </a:ext>
+            </a:extLst>
+          </p:cNvPr>
+          <p:cNvSpPr>
+            <a:spLocks noGrp="1" noRot="1" noChangeAspect="1" noMove="1" noResize="1" noEditPoints="1" noAdjustHandles="1" noChangeArrowheads="1" noChangeShapeType="1" noTextEdit="1"/>
+          </p:cNvSpPr>
+          <p:nvPr>
+            <p:extLst>
+              <p:ext uri="{386F3935-93C4-4BCD-93E2-E3B085C9AB24}">
+                <p16:designElem xmlns:p16="http://schemas.microsoft.com/office/powerpoint/2015/main" val="1"/>
+              </p:ext>
+            </p:extLst>
+          </p:nvPr>
+        </p:nvSpPr>
+        <p:spPr>
+          <a:xfrm>
+            <a:off x="10" y="0"/>
+            <a:ext cx="6095990" cy="6858001"/>
+          </a:xfrm>
+          <a:prstGeom prst="rect">
+            <a:avLst/>
+          </a:prstGeom>
+          <a:solidFill>
+            <a:schemeClr val="tx1">
+              <a:lumMod val="85000"/>
+              <a:lumOff val="15000"/>
+            </a:schemeClr>
+          </a:solidFill>
+          <a:ln>
+            <a:noFill/>
+          </a:ln>
+        </p:spPr>
+        <p:style>
+          <a:lnRef idx="2">
+            <a:schemeClr val="accent1">
+              <a:shade val="50000"/>
+            </a:schemeClr>
+          </a:lnRef>
+          <a:fillRef idx="1">
+            <a:schemeClr val="accent1"/>
+          </a:fillRef>
+          <a:effectRef idx="0">
+            <a:schemeClr val="accent1"/>
+          </a:effectRef>
+          <a:fontRef idx="minor">
+            <a:schemeClr val="lt1"/>
+          </a:fontRef>
+        </p:style>
+        <p:txBody>
+          <a:bodyPr rtlCol="0" anchor="ctr"/>
+          <a:lstStyle/>
+          <a:p>
+            <a:pPr algn="ctr"/>
+            <a:endParaRPr lang="en-US"/>
+          </a:p>
+        </p:txBody>
+      </p:sp>
+      <p:sp>
+        <p:nvSpPr>
+          <p:cNvPr id="2" name="제목 1">
+            <a:extLst>
+              <a:ext uri="{FF2B5EF4-FFF2-40B4-BE49-F238E27FC236}">
+                <a16:creationId xmlns:a16="http://schemas.microsoft.com/office/drawing/2014/main" id="{45156F34-BE7A-2621-8386-BCE9ED3C1823}"/>
+              </a:ext>
+            </a:extLst>
+          </p:cNvPr>
+          <p:cNvSpPr>
+            <a:spLocks noGrp="1"/>
+          </p:cNvSpPr>
+          <p:nvPr>
+            <p:ph type="title"/>
+          </p:nvPr>
+        </p:nvSpPr>
+        <p:spPr>
+          <a:xfrm>
+            <a:off x="792648" y="649674"/>
+            <a:ext cx="4284420" cy="1615363"/>
+          </a:xfrm>
+        </p:spPr>
+        <p:txBody>
+          <a:bodyPr anchor="t">
+            <a:normAutofit/>
+          </a:bodyPr>
+          <a:lstStyle/>
+          <a:p>
+            <a:r>
+              <a:rPr lang="en-US" altLang="ko-KR" sz="2800" dirty="0">
+                <a:solidFill>
+                  <a:schemeClr val="bg1"/>
+                </a:solidFill>
+              </a:rPr>
+              <a:t>min count + vector size</a:t>
+            </a:r>
+            <a:endParaRPr lang="ko-KR" altLang="en-US" sz="2800" dirty="0">
+              <a:solidFill>
+                <a:schemeClr val="bg1"/>
+              </a:solidFill>
+            </a:endParaRPr>
+          </a:p>
+        </p:txBody>
+      </p:sp>
+      <p:sp>
+        <p:nvSpPr>
+          <p:cNvPr id="20" name="Rectangle 19">
+            <a:extLst>
+              <a:ext uri="{FF2B5EF4-FFF2-40B4-BE49-F238E27FC236}">
+                <a16:creationId xmlns:a16="http://schemas.microsoft.com/office/drawing/2014/main" id="{B34F5AD2-EDBD-4BBD-A55C-EAFFD0C7097A}"/>
+              </a:ext>
+              <a:ext uri="{C183D7F6-B498-43B3-948B-1728B52AA6E4}">
+                <adec:decorative xmlns:adec="http://schemas.microsoft.com/office/drawing/2017/decorative" val="1"/>
+              </a:ext>
+            </a:extLst>
+          </p:cNvPr>
+          <p:cNvSpPr>
+            <a:spLocks noGrp="1" noRot="1" noChangeAspect="1" noMove="1" noResize="1" noEditPoints="1" noAdjustHandles="1" noChangeArrowheads="1" noChangeShapeType="1" noTextEdit="1"/>
+          </p:cNvSpPr>
+          <p:nvPr>
+            <p:extLst>
+              <p:ext uri="{386F3935-93C4-4BCD-93E2-E3B085C9AB24}">
+                <p16:designElem xmlns:p16="http://schemas.microsoft.com/office/powerpoint/2015/main" val="1"/>
+              </p:ext>
+            </p:extLst>
+          </p:nvPr>
+        </p:nvSpPr>
+        <p:spPr>
+          <a:xfrm>
+            <a:off x="6096000" y="0"/>
+            <a:ext cx="6095990" cy="6858001"/>
+          </a:xfrm>
+          <a:prstGeom prst="rect">
+            <a:avLst/>
+          </a:prstGeom>
+          <a:solidFill>
+            <a:schemeClr val="bg1">
+              <a:lumMod val="95000"/>
+            </a:schemeClr>
+          </a:solidFill>
+          <a:ln>
+            <a:noFill/>
+          </a:ln>
+        </p:spPr>
+        <p:style>
+          <a:lnRef idx="2">
+            <a:schemeClr val="accent1">
+              <a:shade val="50000"/>
+            </a:schemeClr>
+          </a:lnRef>
+          <a:fillRef idx="1">
+            <a:schemeClr val="accent1"/>
+          </a:fillRef>
+          <a:effectRef idx="0">
+            <a:schemeClr val="accent1"/>
+          </a:effectRef>
+          <a:fontRef idx="minor">
+            <a:schemeClr val="lt1"/>
+          </a:fontRef>
+        </p:style>
+        <p:txBody>
+          <a:bodyPr rtlCol="0" anchor="ctr"/>
+          <a:lstStyle/>
+          <a:p>
+            <a:pPr algn="ctr"/>
+            <a:endParaRPr lang="en-US"/>
+          </a:p>
+        </p:txBody>
+      </p:sp>
+      <p:sp>
+        <p:nvSpPr>
+          <p:cNvPr id="22" name="Rectangle 21">
+            <a:extLst>
+              <a:ext uri="{FF2B5EF4-FFF2-40B4-BE49-F238E27FC236}">
+                <a16:creationId xmlns:a16="http://schemas.microsoft.com/office/drawing/2014/main" id="{450D3AD2-FA80-415F-A9CE-54D884561CD7}"/>
+              </a:ext>
+              <a:ext uri="{C183D7F6-B498-43B3-948B-1728B52AA6E4}">
+                <adec:decorative xmlns:adec="http://schemas.microsoft.com/office/drawing/2017/decorative" val="1"/>
+              </a:ext>
+            </a:extLst>
+          </p:cNvPr>
+          <p:cNvSpPr>
+            <a:spLocks noGrp="1" noRot="1" noChangeAspect="1" noMove="1" noResize="1" noEditPoints="1" noAdjustHandles="1" noChangeArrowheads="1" noChangeShapeType="1" noTextEdit="1"/>
+          </p:cNvSpPr>
+          <p:nvPr>
+            <p:extLst>
+              <p:ext uri="{386F3935-93C4-4BCD-93E2-E3B085C9AB24}">
+                <p16:designElem xmlns:p16="http://schemas.microsoft.com/office/powerpoint/2015/main" val="1"/>
+              </p:ext>
+            </p:extLst>
+          </p:nvPr>
+        </p:nvSpPr>
+        <p:spPr>
+          <a:xfrm>
+            <a:off x="6734650" y="642750"/>
+            <a:ext cx="457200" cy="45720"/>
+          </a:xfrm>
+          <a:prstGeom prst="rect">
+            <a:avLst/>
+          </a:prstGeom>
+          <a:solidFill>
+            <a:schemeClr val="tx1"/>
+          </a:solidFill>
+          <a:ln>
+            <a:noFill/>
+          </a:ln>
+        </p:spPr>
+        <p:style>
+          <a:lnRef idx="2">
+            <a:schemeClr val="accent1">
+              <a:shade val="50000"/>
+            </a:schemeClr>
+          </a:lnRef>
+          <a:fillRef idx="1">
+            <a:schemeClr val="accent1"/>
+          </a:fillRef>
+          <a:effectRef idx="0">
+            <a:schemeClr val="accent1"/>
+          </a:effectRef>
+          <a:fontRef idx="minor">
+            <a:schemeClr val="lt1"/>
+          </a:fontRef>
+        </p:style>
+        <p:txBody>
+          <a:bodyPr rtlCol="0" anchor="ctr"/>
+          <a:lstStyle/>
+          <a:p>
+            <a:pPr algn="ctr"/>
+            <a:endParaRPr lang="en-US"/>
+          </a:p>
+        </p:txBody>
+      </p:sp>
+      <p:sp>
+        <p:nvSpPr>
+          <p:cNvPr id="15" name="Content Placeholder 14">
+            <a:extLst>
+              <a:ext uri="{FF2B5EF4-FFF2-40B4-BE49-F238E27FC236}">
+                <a16:creationId xmlns:a16="http://schemas.microsoft.com/office/drawing/2014/main" id="{24DE8F65-7901-9234-AA62-E038B5598511}"/>
+              </a:ext>
+            </a:extLst>
+          </p:cNvPr>
+          <p:cNvSpPr>
+            <a:spLocks noGrp="1"/>
+          </p:cNvSpPr>
+          <p:nvPr>
+            <p:ph idx="1"/>
+          </p:nvPr>
+        </p:nvSpPr>
+        <p:spPr>
+          <a:xfrm>
+            <a:off x="7536567" y="649674"/>
+            <a:ext cx="4310706" cy="1414551"/>
+          </a:xfrm>
+        </p:spPr>
+        <p:txBody>
+          <a:bodyPr>
+            <a:normAutofit/>
+          </a:bodyPr>
+          <a:lstStyle/>
+          <a:p>
+            <a:r>
+              <a:rPr lang="en-US" altLang="ko-KR" sz="1600" dirty="0"/>
+              <a:t>(1) </a:t>
+            </a:r>
+            <a:r>
+              <a:rPr lang="en-US" altLang="ko-KR" sz="1600" dirty="0" err="1"/>
+              <a:t>vector_size</a:t>
+            </a:r>
+            <a:r>
+              <a:rPr lang="ko-KR" altLang="en-US" sz="1600" dirty="0"/>
+              <a:t> </a:t>
+            </a:r>
+            <a:r>
+              <a:rPr lang="en-US" altLang="ko-KR" sz="1600" dirty="0"/>
+              <a:t>=</a:t>
+            </a:r>
+            <a:r>
+              <a:rPr lang="ko-KR" altLang="en-US" sz="1600" dirty="0"/>
+              <a:t> </a:t>
+            </a:r>
+            <a:r>
+              <a:rPr lang="en-US" altLang="ko-KR" sz="1600" dirty="0"/>
+              <a:t>500,</a:t>
+            </a:r>
+            <a:r>
+              <a:rPr lang="ko-KR" altLang="en-US" sz="1600" dirty="0"/>
+              <a:t> </a:t>
+            </a:r>
+            <a:r>
+              <a:rPr lang="en-US" altLang="ko-KR" sz="1600" dirty="0" err="1"/>
+              <a:t>min_count</a:t>
+            </a:r>
+            <a:r>
+              <a:rPr lang="ko-KR" altLang="en-US" sz="1600" dirty="0"/>
+              <a:t> </a:t>
+            </a:r>
+            <a:r>
+              <a:rPr lang="en-US" altLang="ko-KR" sz="1600" dirty="0"/>
+              <a:t>=</a:t>
+            </a:r>
+            <a:r>
+              <a:rPr lang="ko-KR" altLang="en-US" sz="1600" dirty="0"/>
+              <a:t> </a:t>
+            </a:r>
+            <a:r>
+              <a:rPr lang="en-US" altLang="ko-KR" sz="1600" dirty="0"/>
+              <a:t>1</a:t>
+            </a:r>
+            <a:endParaRPr lang="ko-KR" altLang="en-US" sz="1600" dirty="0"/>
+          </a:p>
+          <a:p>
+            <a:r>
+              <a:rPr lang="en-US" altLang="ko-KR" sz="1600" dirty="0"/>
+              <a:t>(2) </a:t>
+            </a:r>
+            <a:r>
+              <a:rPr lang="en-US" altLang="ko-KR" sz="1600" dirty="0" err="1"/>
+              <a:t>vector_size</a:t>
+            </a:r>
+            <a:r>
+              <a:rPr lang="en-US" altLang="ko-KR" sz="1600" dirty="0"/>
+              <a:t> = 500, </a:t>
+            </a:r>
+            <a:r>
+              <a:rPr lang="en-US" altLang="ko-KR" sz="1600" dirty="0" err="1"/>
+              <a:t>min_count</a:t>
+            </a:r>
+            <a:r>
+              <a:rPr lang="en-US" altLang="ko-KR" sz="1600" dirty="0"/>
+              <a:t> = 10</a:t>
+            </a:r>
+          </a:p>
+          <a:p>
+            <a:r>
+              <a:rPr lang="en-US" altLang="ko-KR" sz="1600" dirty="0"/>
+              <a:t>(3) </a:t>
+            </a:r>
+            <a:r>
+              <a:rPr lang="en-US" altLang="ko-KR" sz="1600" dirty="0" err="1"/>
+              <a:t>vector_size</a:t>
+            </a:r>
+            <a:r>
+              <a:rPr lang="en-US" altLang="ko-KR" sz="1600" dirty="0"/>
+              <a:t> = 1000, </a:t>
+            </a:r>
+            <a:r>
+              <a:rPr lang="en-US" altLang="ko-KR" sz="1600" dirty="0" err="1"/>
+              <a:t>min_count</a:t>
+            </a:r>
+            <a:r>
+              <a:rPr lang="en-US" altLang="ko-KR" sz="1600" dirty="0"/>
+              <a:t> = 1</a:t>
+            </a:r>
+          </a:p>
+          <a:p>
+            <a:r>
+              <a:rPr lang="en-US" altLang="ko-KR" sz="1600" dirty="0"/>
+              <a:t>(4) </a:t>
+            </a:r>
+            <a:r>
+              <a:rPr lang="en-US" altLang="ko-KR" sz="1600" dirty="0" err="1"/>
+              <a:t>vector_size</a:t>
+            </a:r>
+            <a:r>
+              <a:rPr lang="en-US" altLang="ko-KR" sz="1600" dirty="0"/>
+              <a:t> = 1000, </a:t>
+            </a:r>
+            <a:r>
+              <a:rPr lang="en-US" altLang="ko-KR" sz="1600" dirty="0" err="1"/>
+              <a:t>min_count</a:t>
+            </a:r>
+            <a:r>
+              <a:rPr lang="en-US" altLang="ko-KR" sz="1600" dirty="0"/>
+              <a:t> = 10</a:t>
+            </a:r>
+          </a:p>
+        </p:txBody>
+      </p:sp>
+      <p:pic>
+        <p:nvPicPr>
+          <p:cNvPr id="6" name="그림 5">
+            <a:extLst>
+              <a:ext uri="{FF2B5EF4-FFF2-40B4-BE49-F238E27FC236}">
+                <a16:creationId xmlns:a16="http://schemas.microsoft.com/office/drawing/2014/main" id="{11F4CE33-3139-EFD6-45F0-894F075D79E9}"/>
+              </a:ext>
+            </a:extLst>
+          </p:cNvPr>
+          <p:cNvPicPr>
+            <a:picLocks noChangeAspect="1"/>
+          </p:cNvPicPr>
+          <p:nvPr/>
+        </p:nvPicPr>
+        <p:blipFill>
+          <a:blip r:embed="rId2"/>
+          <a:stretch>
+            <a:fillRect/>
+          </a:stretch>
+        </p:blipFill>
+        <p:spPr>
+          <a:xfrm>
+            <a:off x="2181225" y="2208213"/>
+            <a:ext cx="3914774" cy="2184330"/>
+          </a:xfrm>
+          <a:prstGeom prst="rect">
+            <a:avLst/>
+          </a:prstGeom>
+        </p:spPr>
+      </p:pic>
+      <p:pic>
+        <p:nvPicPr>
+          <p:cNvPr id="8" name="그림 7">
+            <a:extLst>
+              <a:ext uri="{FF2B5EF4-FFF2-40B4-BE49-F238E27FC236}">
+                <a16:creationId xmlns:a16="http://schemas.microsoft.com/office/drawing/2014/main" id="{C50D7810-F90A-95A1-D65A-D59B1813FCDD}"/>
+              </a:ext>
+            </a:extLst>
+          </p:cNvPr>
+          <p:cNvPicPr>
+            <a:picLocks noChangeAspect="1"/>
+          </p:cNvPicPr>
+          <p:nvPr/>
+        </p:nvPicPr>
+        <p:blipFill>
+          <a:blip r:embed="rId3"/>
+          <a:stretch>
+            <a:fillRect/>
+          </a:stretch>
+        </p:blipFill>
+        <p:spPr>
+          <a:xfrm>
+            <a:off x="6095999" y="2188463"/>
+            <a:ext cx="4717884" cy="2204080"/>
+          </a:xfrm>
+          <a:prstGeom prst="rect">
+            <a:avLst/>
+          </a:prstGeom>
+        </p:spPr>
+      </p:pic>
+      <p:pic>
+        <p:nvPicPr>
+          <p:cNvPr id="10" name="그림 9">
+            <a:extLst>
+              <a:ext uri="{FF2B5EF4-FFF2-40B4-BE49-F238E27FC236}">
+                <a16:creationId xmlns:a16="http://schemas.microsoft.com/office/drawing/2014/main" id="{F3D035FF-B1B9-AAFF-0460-F42228BAC015}"/>
+              </a:ext>
+            </a:extLst>
+          </p:cNvPr>
+          <p:cNvPicPr>
+            <a:picLocks noChangeAspect="1"/>
+          </p:cNvPicPr>
+          <p:nvPr/>
+        </p:nvPicPr>
+        <p:blipFill>
+          <a:blip r:embed="rId4"/>
+          <a:stretch>
+            <a:fillRect/>
+          </a:stretch>
+        </p:blipFill>
+        <p:spPr>
+          <a:xfrm>
+            <a:off x="2142950" y="4392543"/>
+            <a:ext cx="3953049" cy="1815783"/>
+          </a:xfrm>
+          <a:prstGeom prst="rect">
+            <a:avLst/>
+          </a:prstGeom>
+        </p:spPr>
+      </p:pic>
+      <p:pic>
+        <p:nvPicPr>
+          <p:cNvPr id="12" name="그림 11">
+            <a:extLst>
+              <a:ext uri="{FF2B5EF4-FFF2-40B4-BE49-F238E27FC236}">
+                <a16:creationId xmlns:a16="http://schemas.microsoft.com/office/drawing/2014/main" id="{94FFB97F-FE4C-0AFB-B189-B20138DFB55D}"/>
+              </a:ext>
+            </a:extLst>
+          </p:cNvPr>
+          <p:cNvPicPr>
+            <a:picLocks noChangeAspect="1"/>
+          </p:cNvPicPr>
+          <p:nvPr/>
+        </p:nvPicPr>
+        <p:blipFill>
+          <a:blip r:embed="rId5"/>
+          <a:stretch>
+            <a:fillRect/>
+          </a:stretch>
+        </p:blipFill>
+        <p:spPr>
+          <a:xfrm>
+            <a:off x="6096000" y="4383018"/>
+            <a:ext cx="2905126" cy="1817931"/>
+          </a:xfrm>
+          <a:prstGeom prst="rect">
+            <a:avLst/>
+          </a:prstGeom>
+        </p:spPr>
+      </p:pic>
+    </p:spTree>
+    <p:extLst>
+      <p:ext uri="{BB962C8B-B14F-4D97-AF65-F5344CB8AC3E}">
+        <p14:creationId xmlns:p14="http://schemas.microsoft.com/office/powerpoint/2010/main" val="2343628167"/>
+      </p:ext>
+    </p:extLst>
+  </p:cSld>
+  <p:clrMapOvr>
+    <a:masterClrMapping/>
+  </p:clrMapOvr>
+</p:sld>
+</file>
+
+<file path=ppt/slides/slide9.xml><?xml version="1.0" encoding="utf-8"?>
 <p:sld xmlns:a="http://schemas.openxmlformats.org/drawingml/2006/main" xmlns:r="http://schemas.openxmlformats.org/officeDocument/2006/relationships" xmlns:p="http://schemas.openxmlformats.org/presentationml/2006/main">
   <p:cSld>
     <p:spTree>
@@ -4626,16 +6379,45 @@
           <a:lstStyle/>
           <a:p>
             <a:r>
+              <a:rPr lang="en-US" altLang="ko-KR" sz="2400" dirty="0"/>
+              <a:t>window</a:t>
+            </a:r>
+            <a:r>
+              <a:rPr lang="ko-KR" altLang="en-US" sz="2400" dirty="0"/>
+              <a:t> 변수는 결과에 영향이 전혀 없는 것으로 추정</a:t>
+            </a:r>
+            <a:endParaRPr lang="en-US" altLang="ko-KR" sz="2400" dirty="0"/>
+          </a:p>
+          <a:p>
+            <a:endParaRPr lang="en-US" altLang="ko-KR" sz="2400" dirty="0"/>
+          </a:p>
+          <a:p>
+            <a:r>
+              <a:rPr lang="ko-KR" altLang="en-US" sz="2400" dirty="0"/>
+              <a:t>반면 </a:t>
+            </a:r>
+            <a:r>
+              <a:rPr lang="en-US" altLang="ko-KR" sz="2400" dirty="0" err="1"/>
+              <a:t>vector_size</a:t>
+            </a:r>
+            <a:r>
+              <a:rPr lang="ko-KR" altLang="en-US" sz="2400" dirty="0"/>
+              <a:t>와 </a:t>
+            </a:r>
+            <a:r>
               <a:rPr lang="en-US" altLang="ko-KR" sz="2400" dirty="0" err="1"/>
               <a:t>min_count</a:t>
             </a:r>
             <a:r>
+              <a:rPr lang="ko-KR" altLang="en-US" sz="2400" dirty="0"/>
+              <a:t> 두 변수는 조정에 따라 차이가 크고 작게</a:t>
+            </a:r>
+            <a:br>
               <a:rPr lang="en-US" altLang="ko-KR" sz="2400" dirty="0"/>
-              <a:t> </a:t>
-            </a:r>
+            </a:br>
             <a:r>
               <a:rPr lang="ko-KR" altLang="en-US" sz="2400" dirty="0"/>
-              <a:t>변화는 유사도 계산 및 추천 결과에 생각보다 영향이 컸음</a:t>
+              <a:t>발생하는 것을 확인</a:t>
             </a:r>
             <a:endParaRPr lang="en-US" altLang="ko-KR" sz="2400" dirty="0"/>
           </a:p>
@@ -4644,28 +6426,38 @@
           </a:p>
           <a:p>
             <a:r>
+              <a:rPr lang="ko-KR" altLang="en-US" sz="2400" dirty="0"/>
+              <a:t>두 변수의 조합으로 도출한 추천 결과 역시 기존과 다름</a:t>
+            </a:r>
+            <a:endParaRPr lang="en-US" altLang="ko-KR" sz="2400" dirty="0"/>
+          </a:p>
+          <a:p>
+            <a:endParaRPr lang="en-US" altLang="ko-KR" sz="2400" dirty="0"/>
+          </a:p>
+          <a:p>
+            <a:r>
+              <a:rPr lang="ko-KR" altLang="en-US" sz="2400" dirty="0"/>
+              <a:t>문제는 이걸 평가할 방법이 불확실해 어떤 게 나은 결과인지 판단하기</a:t>
+            </a:r>
+            <a:br>
               <a:rPr lang="en-US" altLang="ko-KR" sz="2400" dirty="0"/>
-              <a:t>window </a:t>
-            </a:r>
+            </a:br>
             <a:r>
               <a:rPr lang="ko-KR" altLang="en-US" sz="2400" dirty="0"/>
-              <a:t>크기는 결과 차이가 별로 없었음</a:t>
-            </a:r>
-            <a:endParaRPr lang="en-US" altLang="ko-KR" sz="2400" dirty="0"/>
-          </a:p>
-          <a:p>
-            <a:endParaRPr lang="en-US" altLang="ko-KR" sz="2400" dirty="0"/>
-          </a:p>
-          <a:p>
-            <a:r>
-              <a:rPr lang="en-US" altLang="ko-KR" sz="2400" dirty="0" err="1"/>
-              <a:t>vector_size</a:t>
+              <a:t>어려움 </a:t>
+            </a:r>
+            <a:r>
+              <a:rPr lang="en-US" altLang="ko-KR" sz="2400" dirty="0"/>
+              <a:t>-&gt; </a:t>
             </a:r>
             <a:r>
               <a:rPr lang="ko-KR" altLang="en-US" sz="2400" dirty="0"/>
-              <a:t>의 경우 유사도 변화는 약간 있었으나 추천 결과는 동일함</a:t>
-            </a:r>
-            <a:endParaRPr lang="en-US" altLang="ko-KR" sz="2400" dirty="0"/>
+              <a:t>직접 들어서 판단해보기엔 너무 주관적이고</a:t>
+            </a:r>
+            <a:r>
+              <a:rPr lang="en-US" altLang="ko-KR" sz="2400" dirty="0"/>
+              <a:t>…</a:t>
+            </a:r>
           </a:p>
         </p:txBody>
       </p:sp>
